--- a/FILE IO PPT.pptx
+++ b/FILE IO PPT.pptx
@@ -213,7 +213,7 @@
             <a:fld id="{56485CFF-ABC4-4297-AD7F-5DBF11D6D2C9}" type="datetimeFigureOut">
               <a:rPr lang="en-US" smtClean="0"/>
               <a:pPr/>
-              <a:t>3/11/2014</a:t>
+              <a:t>4/19/2019</a:t>
             </a:fld>
             <a:endParaRPr lang="en-US"/>
           </a:p>
@@ -382,7 +382,7 @@
     </p:spTree>
     <p:extLst>
       <p:ext uri="{BB962C8B-B14F-4D97-AF65-F5344CB8AC3E}">
-        <p14:creationId xmlns="" xmlns:p14="http://schemas.microsoft.com/office/powerpoint/2010/main" val="1740322982"/>
+        <p14:creationId xmlns:p14="http://schemas.microsoft.com/office/powerpoint/2010/main" val="1740322982"/>
       </p:ext>
     </p:extLst>
   </p:cSld>
@@ -514,14 +514,14 @@
           <a:ln/>
           <a:extLst>
             <a:ext uri="{909E8E84-426E-40DD-AFC4-6F175D3DCCD1}">
-              <a14:hiddenFill xmlns="" xmlns:a14="http://schemas.microsoft.com/office/drawing/2010/main">
+              <a14:hiddenFill xmlns:a14="http://schemas.microsoft.com/office/drawing/2010/main">
                 <a:solidFill>
                   <a:srgbClr val="FFFFFF"/>
                 </a:solidFill>
               </a14:hiddenFill>
             </a:ext>
             <a:ext uri="{91240B29-F687-4F45-9708-019B960494DF}">
-              <a14:hiddenLine xmlns="" xmlns:a14="http://schemas.microsoft.com/office/drawing/2010/main" w="9525">
+              <a14:hiddenLine xmlns:a14="http://schemas.microsoft.com/office/drawing/2010/main" w="9525">
                 <a:solidFill>
                   <a:srgbClr val="000000"/>
                 </a:solidFill>
@@ -695,14 +695,14 @@
           <a:ln/>
           <a:extLst>
             <a:ext uri="{909E8E84-426E-40DD-AFC4-6F175D3DCCD1}">
-              <a14:hiddenFill xmlns="" xmlns:a14="http://schemas.microsoft.com/office/drawing/2010/main">
+              <a14:hiddenFill xmlns:a14="http://schemas.microsoft.com/office/drawing/2010/main">
                 <a:solidFill>
                   <a:srgbClr val="FFFFFF"/>
                 </a:solidFill>
               </a14:hiddenFill>
             </a:ext>
             <a:ext uri="{91240B29-F687-4F45-9708-019B960494DF}">
-              <a14:hiddenLine xmlns="" xmlns:a14="http://schemas.microsoft.com/office/drawing/2010/main" w="9525">
+              <a14:hiddenLine xmlns:a14="http://schemas.microsoft.com/office/drawing/2010/main" w="9525">
                 <a:solidFill>
                   <a:srgbClr val="000000"/>
                 </a:solidFill>
@@ -725,7 +725,7 @@
     </p:spTree>
     <p:extLst>
       <p:ext uri="{BB962C8B-B14F-4D97-AF65-F5344CB8AC3E}">
-        <p14:creationId xmlns="" xmlns:p14="http://schemas.microsoft.com/office/powerpoint/2010/main" val="3489201723"/>
+        <p14:creationId xmlns:p14="http://schemas.microsoft.com/office/powerpoint/2010/main" val="3489201723"/>
       </p:ext>
     </p:extLst>
   </p:cSld>
@@ -767,14 +767,14 @@
           <a:ln/>
           <a:extLst>
             <a:ext uri="{909E8E84-426E-40DD-AFC4-6F175D3DCCD1}">
-              <a14:hiddenFill xmlns="" xmlns:a14="http://schemas.microsoft.com/office/drawing/2010/main">
+              <a14:hiddenFill xmlns:a14="http://schemas.microsoft.com/office/drawing/2010/main">
                 <a:solidFill>
                   <a:srgbClr val="FFFFFF"/>
                 </a:solidFill>
               </a14:hiddenFill>
             </a:ext>
             <a:ext uri="{91240B29-F687-4F45-9708-019B960494DF}">
-              <a14:hiddenLine xmlns="" xmlns:a14="http://schemas.microsoft.com/office/drawing/2010/main" w="9525">
+              <a14:hiddenLine xmlns:a14="http://schemas.microsoft.com/office/drawing/2010/main" w="9525">
                 <a:solidFill>
                   <a:srgbClr val="000000"/>
                 </a:solidFill>
@@ -948,14 +948,14 @@
           <a:ln/>
           <a:extLst>
             <a:ext uri="{909E8E84-426E-40DD-AFC4-6F175D3DCCD1}">
-              <a14:hiddenFill xmlns="" xmlns:a14="http://schemas.microsoft.com/office/drawing/2010/main">
+              <a14:hiddenFill xmlns:a14="http://schemas.microsoft.com/office/drawing/2010/main">
                 <a:solidFill>
                   <a:srgbClr val="FFFFFF"/>
                 </a:solidFill>
               </a14:hiddenFill>
             </a:ext>
             <a:ext uri="{91240B29-F687-4F45-9708-019B960494DF}">
-              <a14:hiddenLine xmlns="" xmlns:a14="http://schemas.microsoft.com/office/drawing/2010/main" w="9525">
+              <a14:hiddenLine xmlns:a14="http://schemas.microsoft.com/office/drawing/2010/main" w="9525">
                 <a:solidFill>
                   <a:srgbClr val="000000"/>
                 </a:solidFill>
@@ -978,7 +978,7 @@
     </p:spTree>
     <p:extLst>
       <p:ext uri="{BB962C8B-B14F-4D97-AF65-F5344CB8AC3E}">
-        <p14:creationId xmlns="" xmlns:p14="http://schemas.microsoft.com/office/powerpoint/2010/main" val="1909704144"/>
+        <p14:creationId xmlns:p14="http://schemas.microsoft.com/office/powerpoint/2010/main" val="1909704144"/>
       </p:ext>
     </p:extLst>
   </p:cSld>
@@ -1020,14 +1020,14 @@
           <a:ln/>
           <a:extLst>
             <a:ext uri="{909E8E84-426E-40DD-AFC4-6F175D3DCCD1}">
-              <a14:hiddenFill xmlns="" xmlns:a14="http://schemas.microsoft.com/office/drawing/2010/main">
+              <a14:hiddenFill xmlns:a14="http://schemas.microsoft.com/office/drawing/2010/main">
                 <a:solidFill>
                   <a:srgbClr val="FFFFFF"/>
                 </a:solidFill>
               </a14:hiddenFill>
             </a:ext>
             <a:ext uri="{91240B29-F687-4F45-9708-019B960494DF}">
-              <a14:hiddenLine xmlns="" xmlns:a14="http://schemas.microsoft.com/office/drawing/2010/main" w="9525">
+              <a14:hiddenLine xmlns:a14="http://schemas.microsoft.com/office/drawing/2010/main" w="9525">
                 <a:solidFill>
                   <a:srgbClr val="000000"/>
                 </a:solidFill>
@@ -1201,14 +1201,14 @@
           <a:ln/>
           <a:extLst>
             <a:ext uri="{909E8E84-426E-40DD-AFC4-6F175D3DCCD1}">
-              <a14:hiddenFill xmlns="" xmlns:a14="http://schemas.microsoft.com/office/drawing/2010/main">
+              <a14:hiddenFill xmlns:a14="http://schemas.microsoft.com/office/drawing/2010/main">
                 <a:solidFill>
                   <a:srgbClr val="FFFFFF"/>
                 </a:solidFill>
               </a14:hiddenFill>
             </a:ext>
             <a:ext uri="{91240B29-F687-4F45-9708-019B960494DF}">
-              <a14:hiddenLine xmlns="" xmlns:a14="http://schemas.microsoft.com/office/drawing/2010/main" w="9525">
+              <a14:hiddenLine xmlns:a14="http://schemas.microsoft.com/office/drawing/2010/main" w="9525">
                 <a:solidFill>
                   <a:srgbClr val="000000"/>
                 </a:solidFill>
@@ -1231,7 +1231,7 @@
     </p:spTree>
     <p:extLst>
       <p:ext uri="{BB962C8B-B14F-4D97-AF65-F5344CB8AC3E}">
-        <p14:creationId xmlns="" xmlns:p14="http://schemas.microsoft.com/office/powerpoint/2010/main" val="3992357884"/>
+        <p14:creationId xmlns:p14="http://schemas.microsoft.com/office/powerpoint/2010/main" val="3992357884"/>
       </p:ext>
     </p:extLst>
   </p:cSld>
@@ -1273,14 +1273,14 @@
           <a:ln/>
           <a:extLst>
             <a:ext uri="{909E8E84-426E-40DD-AFC4-6F175D3DCCD1}">
-              <a14:hiddenFill xmlns="" xmlns:a14="http://schemas.microsoft.com/office/drawing/2010/main">
+              <a14:hiddenFill xmlns:a14="http://schemas.microsoft.com/office/drawing/2010/main">
                 <a:solidFill>
                   <a:srgbClr val="FFFFFF"/>
                 </a:solidFill>
               </a14:hiddenFill>
             </a:ext>
             <a:ext uri="{91240B29-F687-4F45-9708-019B960494DF}">
-              <a14:hiddenLine xmlns="" xmlns:a14="http://schemas.microsoft.com/office/drawing/2010/main" w="9525">
+              <a14:hiddenLine xmlns:a14="http://schemas.microsoft.com/office/drawing/2010/main" w="9525">
                 <a:solidFill>
                   <a:srgbClr val="000000"/>
                 </a:solidFill>
@@ -1454,14 +1454,14 @@
           <a:ln/>
           <a:extLst>
             <a:ext uri="{909E8E84-426E-40DD-AFC4-6F175D3DCCD1}">
-              <a14:hiddenFill xmlns="" xmlns:a14="http://schemas.microsoft.com/office/drawing/2010/main">
+              <a14:hiddenFill xmlns:a14="http://schemas.microsoft.com/office/drawing/2010/main">
                 <a:solidFill>
                   <a:srgbClr val="FFFFFF"/>
                 </a:solidFill>
               </a14:hiddenFill>
             </a:ext>
             <a:ext uri="{91240B29-F687-4F45-9708-019B960494DF}">
-              <a14:hiddenLine xmlns="" xmlns:a14="http://schemas.microsoft.com/office/drawing/2010/main" w="9525">
+              <a14:hiddenLine xmlns:a14="http://schemas.microsoft.com/office/drawing/2010/main" w="9525">
                 <a:solidFill>
                   <a:srgbClr val="000000"/>
                 </a:solidFill>
@@ -1484,7 +1484,7 @@
     </p:spTree>
     <p:extLst>
       <p:ext uri="{BB962C8B-B14F-4D97-AF65-F5344CB8AC3E}">
-        <p14:creationId xmlns="" xmlns:p14="http://schemas.microsoft.com/office/powerpoint/2010/main" val="2288489231"/>
+        <p14:creationId xmlns:p14="http://schemas.microsoft.com/office/powerpoint/2010/main" val="2288489231"/>
       </p:ext>
     </p:extLst>
   </p:cSld>
@@ -1526,14 +1526,14 @@
           <a:ln/>
           <a:extLst>
             <a:ext uri="{909E8E84-426E-40DD-AFC4-6F175D3DCCD1}">
-              <a14:hiddenFill xmlns="" xmlns:a14="http://schemas.microsoft.com/office/drawing/2010/main">
+              <a14:hiddenFill xmlns:a14="http://schemas.microsoft.com/office/drawing/2010/main">
                 <a:solidFill>
                   <a:srgbClr val="FFFFFF"/>
                 </a:solidFill>
               </a14:hiddenFill>
             </a:ext>
             <a:ext uri="{91240B29-F687-4F45-9708-019B960494DF}">
-              <a14:hiddenLine xmlns="" xmlns:a14="http://schemas.microsoft.com/office/drawing/2010/main" w="9525">
+              <a14:hiddenLine xmlns:a14="http://schemas.microsoft.com/office/drawing/2010/main" w="9525">
                 <a:solidFill>
                   <a:srgbClr val="000000"/>
                 </a:solidFill>
@@ -1707,14 +1707,14 @@
           <a:ln/>
           <a:extLst>
             <a:ext uri="{909E8E84-426E-40DD-AFC4-6F175D3DCCD1}">
-              <a14:hiddenFill xmlns="" xmlns:a14="http://schemas.microsoft.com/office/drawing/2010/main">
+              <a14:hiddenFill xmlns:a14="http://schemas.microsoft.com/office/drawing/2010/main">
                 <a:solidFill>
                   <a:srgbClr val="FFFFFF"/>
                 </a:solidFill>
               </a14:hiddenFill>
             </a:ext>
             <a:ext uri="{91240B29-F687-4F45-9708-019B960494DF}">
-              <a14:hiddenLine xmlns="" xmlns:a14="http://schemas.microsoft.com/office/drawing/2010/main" w="9525">
+              <a14:hiddenLine xmlns:a14="http://schemas.microsoft.com/office/drawing/2010/main" w="9525">
                 <a:solidFill>
                   <a:srgbClr val="000000"/>
                 </a:solidFill>
@@ -1737,7 +1737,7 @@
     </p:spTree>
     <p:extLst>
       <p:ext uri="{BB962C8B-B14F-4D97-AF65-F5344CB8AC3E}">
-        <p14:creationId xmlns="" xmlns:p14="http://schemas.microsoft.com/office/powerpoint/2010/main" val="4094248952"/>
+        <p14:creationId xmlns:p14="http://schemas.microsoft.com/office/powerpoint/2010/main" val="4094248952"/>
       </p:ext>
     </p:extLst>
   </p:cSld>
@@ -1779,14 +1779,14 @@
           <a:ln/>
           <a:extLst>
             <a:ext uri="{909E8E84-426E-40DD-AFC4-6F175D3DCCD1}">
-              <a14:hiddenFill xmlns="" xmlns:a14="http://schemas.microsoft.com/office/drawing/2010/main">
+              <a14:hiddenFill xmlns:a14="http://schemas.microsoft.com/office/drawing/2010/main">
                 <a:solidFill>
                   <a:srgbClr val="FFFFFF"/>
                 </a:solidFill>
               </a14:hiddenFill>
             </a:ext>
             <a:ext uri="{91240B29-F687-4F45-9708-019B960494DF}">
-              <a14:hiddenLine xmlns="" xmlns:a14="http://schemas.microsoft.com/office/drawing/2010/main" w="9525">
+              <a14:hiddenLine xmlns:a14="http://schemas.microsoft.com/office/drawing/2010/main" w="9525">
                 <a:solidFill>
                   <a:srgbClr val="000000"/>
                 </a:solidFill>
@@ -1960,14 +1960,14 @@
           <a:ln/>
           <a:extLst>
             <a:ext uri="{909E8E84-426E-40DD-AFC4-6F175D3DCCD1}">
-              <a14:hiddenFill xmlns="" xmlns:a14="http://schemas.microsoft.com/office/drawing/2010/main">
+              <a14:hiddenFill xmlns:a14="http://schemas.microsoft.com/office/drawing/2010/main">
                 <a:solidFill>
                   <a:srgbClr val="FFFFFF"/>
                 </a:solidFill>
               </a14:hiddenFill>
             </a:ext>
             <a:ext uri="{91240B29-F687-4F45-9708-019B960494DF}">
-              <a14:hiddenLine xmlns="" xmlns:a14="http://schemas.microsoft.com/office/drawing/2010/main" w="9525">
+              <a14:hiddenLine xmlns:a14="http://schemas.microsoft.com/office/drawing/2010/main" w="9525">
                 <a:solidFill>
                   <a:srgbClr val="000000"/>
                 </a:solidFill>
@@ -1990,7 +1990,7 @@
     </p:spTree>
     <p:extLst>
       <p:ext uri="{BB962C8B-B14F-4D97-AF65-F5344CB8AC3E}">
-        <p14:creationId xmlns="" xmlns:p14="http://schemas.microsoft.com/office/powerpoint/2010/main" val="3400873697"/>
+        <p14:creationId xmlns:p14="http://schemas.microsoft.com/office/powerpoint/2010/main" val="3400873697"/>
       </p:ext>
     </p:extLst>
   </p:cSld>
@@ -2032,14 +2032,14 @@
           <a:ln/>
           <a:extLst>
             <a:ext uri="{909E8E84-426E-40DD-AFC4-6F175D3DCCD1}">
-              <a14:hiddenFill xmlns="" xmlns:a14="http://schemas.microsoft.com/office/drawing/2010/main">
+              <a14:hiddenFill xmlns:a14="http://schemas.microsoft.com/office/drawing/2010/main">
                 <a:solidFill>
                   <a:srgbClr val="FFFFFF"/>
                 </a:solidFill>
               </a14:hiddenFill>
             </a:ext>
             <a:ext uri="{91240B29-F687-4F45-9708-019B960494DF}">
-              <a14:hiddenLine xmlns="" xmlns:a14="http://schemas.microsoft.com/office/drawing/2010/main" w="9525">
+              <a14:hiddenLine xmlns:a14="http://schemas.microsoft.com/office/drawing/2010/main" w="9525">
                 <a:solidFill>
                   <a:srgbClr val="000000"/>
                 </a:solidFill>
@@ -2213,14 +2213,14 @@
           <a:ln/>
           <a:extLst>
             <a:ext uri="{909E8E84-426E-40DD-AFC4-6F175D3DCCD1}">
-              <a14:hiddenFill xmlns="" xmlns:a14="http://schemas.microsoft.com/office/drawing/2010/main">
+              <a14:hiddenFill xmlns:a14="http://schemas.microsoft.com/office/drawing/2010/main">
                 <a:solidFill>
                   <a:srgbClr val="FFFFFF"/>
                 </a:solidFill>
               </a14:hiddenFill>
             </a:ext>
             <a:ext uri="{91240B29-F687-4F45-9708-019B960494DF}">
-              <a14:hiddenLine xmlns="" xmlns:a14="http://schemas.microsoft.com/office/drawing/2010/main" w="9525">
+              <a14:hiddenLine xmlns:a14="http://schemas.microsoft.com/office/drawing/2010/main" w="9525">
                 <a:solidFill>
                   <a:srgbClr val="000000"/>
                 </a:solidFill>
@@ -2243,7 +2243,7 @@
     </p:spTree>
     <p:extLst>
       <p:ext uri="{BB962C8B-B14F-4D97-AF65-F5344CB8AC3E}">
-        <p14:creationId xmlns="" xmlns:p14="http://schemas.microsoft.com/office/powerpoint/2010/main" val="13880119"/>
+        <p14:creationId xmlns:p14="http://schemas.microsoft.com/office/powerpoint/2010/main" val="13880119"/>
       </p:ext>
     </p:extLst>
   </p:cSld>
@@ -2285,14 +2285,14 @@
           <a:ln/>
           <a:extLst>
             <a:ext uri="{909E8E84-426E-40DD-AFC4-6F175D3DCCD1}">
-              <a14:hiddenFill xmlns="" xmlns:a14="http://schemas.microsoft.com/office/drawing/2010/main">
+              <a14:hiddenFill xmlns:a14="http://schemas.microsoft.com/office/drawing/2010/main">
                 <a:solidFill>
                   <a:srgbClr val="FFFFFF"/>
                 </a:solidFill>
               </a14:hiddenFill>
             </a:ext>
             <a:ext uri="{91240B29-F687-4F45-9708-019B960494DF}">
-              <a14:hiddenLine xmlns="" xmlns:a14="http://schemas.microsoft.com/office/drawing/2010/main" w="9525">
+              <a14:hiddenLine xmlns:a14="http://schemas.microsoft.com/office/drawing/2010/main" w="9525">
                 <a:solidFill>
                   <a:srgbClr val="000000"/>
                 </a:solidFill>
@@ -2466,14 +2466,14 @@
           <a:ln/>
           <a:extLst>
             <a:ext uri="{909E8E84-426E-40DD-AFC4-6F175D3DCCD1}">
-              <a14:hiddenFill xmlns="" xmlns:a14="http://schemas.microsoft.com/office/drawing/2010/main">
+              <a14:hiddenFill xmlns:a14="http://schemas.microsoft.com/office/drawing/2010/main">
                 <a:solidFill>
                   <a:srgbClr val="FFFFFF"/>
                 </a:solidFill>
               </a14:hiddenFill>
             </a:ext>
             <a:ext uri="{91240B29-F687-4F45-9708-019B960494DF}">
-              <a14:hiddenLine xmlns="" xmlns:a14="http://schemas.microsoft.com/office/drawing/2010/main" w="9525">
+              <a14:hiddenLine xmlns:a14="http://schemas.microsoft.com/office/drawing/2010/main" w="9525">
                 <a:solidFill>
                   <a:srgbClr val="000000"/>
                 </a:solidFill>
@@ -2496,7 +2496,7 @@
     </p:spTree>
     <p:extLst>
       <p:ext uri="{BB962C8B-B14F-4D97-AF65-F5344CB8AC3E}">
-        <p14:creationId xmlns="" xmlns:p14="http://schemas.microsoft.com/office/powerpoint/2010/main" val="2637217677"/>
+        <p14:creationId xmlns:p14="http://schemas.microsoft.com/office/powerpoint/2010/main" val="2637217677"/>
       </p:ext>
     </p:extLst>
   </p:cSld>
@@ -2538,14 +2538,14 @@
           <a:ln/>
           <a:extLst>
             <a:ext uri="{909E8E84-426E-40DD-AFC4-6F175D3DCCD1}">
-              <a14:hiddenFill xmlns="" xmlns:a14="http://schemas.microsoft.com/office/drawing/2010/main">
+              <a14:hiddenFill xmlns:a14="http://schemas.microsoft.com/office/drawing/2010/main">
                 <a:solidFill>
                   <a:srgbClr val="FFFFFF"/>
                 </a:solidFill>
               </a14:hiddenFill>
             </a:ext>
             <a:ext uri="{91240B29-F687-4F45-9708-019B960494DF}">
-              <a14:hiddenLine xmlns="" xmlns:a14="http://schemas.microsoft.com/office/drawing/2010/main" w="9525">
+              <a14:hiddenLine xmlns:a14="http://schemas.microsoft.com/office/drawing/2010/main" w="9525">
                 <a:solidFill>
                   <a:srgbClr val="000000"/>
                 </a:solidFill>
@@ -2719,14 +2719,14 @@
           <a:ln/>
           <a:extLst>
             <a:ext uri="{909E8E84-426E-40DD-AFC4-6F175D3DCCD1}">
-              <a14:hiddenFill xmlns="" xmlns:a14="http://schemas.microsoft.com/office/drawing/2010/main">
+              <a14:hiddenFill xmlns:a14="http://schemas.microsoft.com/office/drawing/2010/main">
                 <a:solidFill>
                   <a:srgbClr val="FFFFFF"/>
                 </a:solidFill>
               </a14:hiddenFill>
             </a:ext>
             <a:ext uri="{91240B29-F687-4F45-9708-019B960494DF}">
-              <a14:hiddenLine xmlns="" xmlns:a14="http://schemas.microsoft.com/office/drawing/2010/main" w="9525">
+              <a14:hiddenLine xmlns:a14="http://schemas.microsoft.com/office/drawing/2010/main" w="9525">
                 <a:solidFill>
                   <a:srgbClr val="000000"/>
                 </a:solidFill>
@@ -2749,7 +2749,7 @@
     </p:spTree>
     <p:extLst>
       <p:ext uri="{BB962C8B-B14F-4D97-AF65-F5344CB8AC3E}">
-        <p14:creationId xmlns="" xmlns:p14="http://schemas.microsoft.com/office/powerpoint/2010/main" val="2042325808"/>
+        <p14:creationId xmlns:p14="http://schemas.microsoft.com/office/powerpoint/2010/main" val="2042325808"/>
       </p:ext>
     </p:extLst>
   </p:cSld>
@@ -2791,14 +2791,14 @@
           <a:ln/>
           <a:extLst>
             <a:ext uri="{909E8E84-426E-40DD-AFC4-6F175D3DCCD1}">
-              <a14:hiddenFill xmlns="" xmlns:a14="http://schemas.microsoft.com/office/drawing/2010/main">
+              <a14:hiddenFill xmlns:a14="http://schemas.microsoft.com/office/drawing/2010/main">
                 <a:solidFill>
                   <a:srgbClr val="FFFFFF"/>
                 </a:solidFill>
               </a14:hiddenFill>
             </a:ext>
             <a:ext uri="{91240B29-F687-4F45-9708-019B960494DF}">
-              <a14:hiddenLine xmlns="" xmlns:a14="http://schemas.microsoft.com/office/drawing/2010/main" w="9525">
+              <a14:hiddenLine xmlns:a14="http://schemas.microsoft.com/office/drawing/2010/main" w="9525">
                 <a:solidFill>
                   <a:srgbClr val="000000"/>
                 </a:solidFill>
@@ -2972,14 +2972,14 @@
           <a:ln/>
           <a:extLst>
             <a:ext uri="{909E8E84-426E-40DD-AFC4-6F175D3DCCD1}">
-              <a14:hiddenFill xmlns="" xmlns:a14="http://schemas.microsoft.com/office/drawing/2010/main">
+              <a14:hiddenFill xmlns:a14="http://schemas.microsoft.com/office/drawing/2010/main">
                 <a:solidFill>
                   <a:srgbClr val="FFFFFF"/>
                 </a:solidFill>
               </a14:hiddenFill>
             </a:ext>
             <a:ext uri="{91240B29-F687-4F45-9708-019B960494DF}">
-              <a14:hiddenLine xmlns="" xmlns:a14="http://schemas.microsoft.com/office/drawing/2010/main" w="9525">
+              <a14:hiddenLine xmlns:a14="http://schemas.microsoft.com/office/drawing/2010/main" w="9525">
                 <a:solidFill>
                   <a:srgbClr val="000000"/>
                 </a:solidFill>
@@ -3002,7 +3002,7 @@
     </p:spTree>
     <p:extLst>
       <p:ext uri="{BB962C8B-B14F-4D97-AF65-F5344CB8AC3E}">
-        <p14:creationId xmlns="" xmlns:p14="http://schemas.microsoft.com/office/powerpoint/2010/main" val="3424320809"/>
+        <p14:creationId xmlns:p14="http://schemas.microsoft.com/office/powerpoint/2010/main" val="3424320809"/>
       </p:ext>
     </p:extLst>
   </p:cSld>
@@ -3044,14 +3044,14 @@
           <a:ln/>
           <a:extLst>
             <a:ext uri="{909E8E84-426E-40DD-AFC4-6F175D3DCCD1}">
-              <a14:hiddenFill xmlns="" xmlns:a14="http://schemas.microsoft.com/office/drawing/2010/main">
+              <a14:hiddenFill xmlns:a14="http://schemas.microsoft.com/office/drawing/2010/main">
                 <a:solidFill>
                   <a:srgbClr val="FFFFFF"/>
                 </a:solidFill>
               </a14:hiddenFill>
             </a:ext>
             <a:ext uri="{91240B29-F687-4F45-9708-019B960494DF}">
-              <a14:hiddenLine xmlns="" xmlns:a14="http://schemas.microsoft.com/office/drawing/2010/main" w="9525">
+              <a14:hiddenLine xmlns:a14="http://schemas.microsoft.com/office/drawing/2010/main" w="9525">
                 <a:solidFill>
                   <a:srgbClr val="000000"/>
                 </a:solidFill>
@@ -3225,14 +3225,14 @@
           <a:ln/>
           <a:extLst>
             <a:ext uri="{909E8E84-426E-40DD-AFC4-6F175D3DCCD1}">
-              <a14:hiddenFill xmlns="" xmlns:a14="http://schemas.microsoft.com/office/drawing/2010/main">
+              <a14:hiddenFill xmlns:a14="http://schemas.microsoft.com/office/drawing/2010/main">
                 <a:solidFill>
                   <a:srgbClr val="FFFFFF"/>
                 </a:solidFill>
               </a14:hiddenFill>
             </a:ext>
             <a:ext uri="{91240B29-F687-4F45-9708-019B960494DF}">
-              <a14:hiddenLine xmlns="" xmlns:a14="http://schemas.microsoft.com/office/drawing/2010/main" w="9525">
+              <a14:hiddenLine xmlns:a14="http://schemas.microsoft.com/office/drawing/2010/main" w="9525">
                 <a:solidFill>
                   <a:srgbClr val="000000"/>
                 </a:solidFill>
@@ -3255,7 +3255,7 @@
     </p:spTree>
     <p:extLst>
       <p:ext uri="{BB962C8B-B14F-4D97-AF65-F5344CB8AC3E}">
-        <p14:creationId xmlns="" xmlns:p14="http://schemas.microsoft.com/office/powerpoint/2010/main" val="2212039263"/>
+        <p14:creationId xmlns:p14="http://schemas.microsoft.com/office/powerpoint/2010/main" val="2212039263"/>
       </p:ext>
     </p:extLst>
   </p:cSld>
@@ -3297,14 +3297,14 @@
           <a:ln/>
           <a:extLst>
             <a:ext uri="{909E8E84-426E-40DD-AFC4-6F175D3DCCD1}">
-              <a14:hiddenFill xmlns="" xmlns:a14="http://schemas.microsoft.com/office/drawing/2010/main">
+              <a14:hiddenFill xmlns:a14="http://schemas.microsoft.com/office/drawing/2010/main">
                 <a:solidFill>
                   <a:srgbClr val="FFFFFF"/>
                 </a:solidFill>
               </a14:hiddenFill>
             </a:ext>
             <a:ext uri="{91240B29-F687-4F45-9708-019B960494DF}">
-              <a14:hiddenLine xmlns="" xmlns:a14="http://schemas.microsoft.com/office/drawing/2010/main" w="9525">
+              <a14:hiddenLine xmlns:a14="http://schemas.microsoft.com/office/drawing/2010/main" w="9525">
                 <a:solidFill>
                   <a:srgbClr val="000000"/>
                 </a:solidFill>
@@ -3478,14 +3478,14 @@
           <a:ln/>
           <a:extLst>
             <a:ext uri="{909E8E84-426E-40DD-AFC4-6F175D3DCCD1}">
-              <a14:hiddenFill xmlns="" xmlns:a14="http://schemas.microsoft.com/office/drawing/2010/main">
+              <a14:hiddenFill xmlns:a14="http://schemas.microsoft.com/office/drawing/2010/main">
                 <a:solidFill>
                   <a:srgbClr val="FFFFFF"/>
                 </a:solidFill>
               </a14:hiddenFill>
             </a:ext>
             <a:ext uri="{91240B29-F687-4F45-9708-019B960494DF}">
-              <a14:hiddenLine xmlns="" xmlns:a14="http://schemas.microsoft.com/office/drawing/2010/main" w="9525">
+              <a14:hiddenLine xmlns:a14="http://schemas.microsoft.com/office/drawing/2010/main" w="9525">
                 <a:solidFill>
                   <a:srgbClr val="000000"/>
                 </a:solidFill>
@@ -3508,7 +3508,7 @@
     </p:spTree>
     <p:extLst>
       <p:ext uri="{BB962C8B-B14F-4D97-AF65-F5344CB8AC3E}">
-        <p14:creationId xmlns="" xmlns:p14="http://schemas.microsoft.com/office/powerpoint/2010/main" val="3480815955"/>
+        <p14:creationId xmlns:p14="http://schemas.microsoft.com/office/powerpoint/2010/main" val="3480815955"/>
       </p:ext>
     </p:extLst>
   </p:cSld>
@@ -3550,14 +3550,14 @@
           <a:ln/>
           <a:extLst>
             <a:ext uri="{909E8E84-426E-40DD-AFC4-6F175D3DCCD1}">
-              <a14:hiddenFill xmlns="" xmlns:a14="http://schemas.microsoft.com/office/drawing/2010/main">
+              <a14:hiddenFill xmlns:a14="http://schemas.microsoft.com/office/drawing/2010/main">
                 <a:solidFill>
                   <a:srgbClr val="FFFFFF"/>
                 </a:solidFill>
               </a14:hiddenFill>
             </a:ext>
             <a:ext uri="{91240B29-F687-4F45-9708-019B960494DF}">
-              <a14:hiddenLine xmlns="" xmlns:a14="http://schemas.microsoft.com/office/drawing/2010/main" w="9525">
+              <a14:hiddenLine xmlns:a14="http://schemas.microsoft.com/office/drawing/2010/main" w="9525">
                 <a:solidFill>
                   <a:srgbClr val="000000"/>
                 </a:solidFill>
@@ -3731,14 +3731,14 @@
           <a:ln/>
           <a:extLst>
             <a:ext uri="{909E8E84-426E-40DD-AFC4-6F175D3DCCD1}">
-              <a14:hiddenFill xmlns="" xmlns:a14="http://schemas.microsoft.com/office/drawing/2010/main">
+              <a14:hiddenFill xmlns:a14="http://schemas.microsoft.com/office/drawing/2010/main">
                 <a:solidFill>
                   <a:srgbClr val="FFFFFF"/>
                 </a:solidFill>
               </a14:hiddenFill>
             </a:ext>
             <a:ext uri="{91240B29-F687-4F45-9708-019B960494DF}">
-              <a14:hiddenLine xmlns="" xmlns:a14="http://schemas.microsoft.com/office/drawing/2010/main" w="9525">
+              <a14:hiddenLine xmlns:a14="http://schemas.microsoft.com/office/drawing/2010/main" w="9525">
                 <a:solidFill>
                   <a:srgbClr val="000000"/>
                 </a:solidFill>
@@ -3761,7 +3761,7 @@
     </p:spTree>
     <p:extLst>
       <p:ext uri="{BB962C8B-B14F-4D97-AF65-F5344CB8AC3E}">
-        <p14:creationId xmlns="" xmlns:p14="http://schemas.microsoft.com/office/powerpoint/2010/main" val="12101977"/>
+        <p14:creationId xmlns:p14="http://schemas.microsoft.com/office/powerpoint/2010/main" val="12101977"/>
       </p:ext>
     </p:extLst>
   </p:cSld>
@@ -3803,14 +3803,14 @@
           <a:ln/>
           <a:extLst>
             <a:ext uri="{909E8E84-426E-40DD-AFC4-6F175D3DCCD1}">
-              <a14:hiddenFill xmlns="" xmlns:a14="http://schemas.microsoft.com/office/drawing/2010/main">
+              <a14:hiddenFill xmlns:a14="http://schemas.microsoft.com/office/drawing/2010/main">
                 <a:solidFill>
                   <a:srgbClr val="FFFFFF"/>
                 </a:solidFill>
               </a14:hiddenFill>
             </a:ext>
             <a:ext uri="{91240B29-F687-4F45-9708-019B960494DF}">
-              <a14:hiddenLine xmlns="" xmlns:a14="http://schemas.microsoft.com/office/drawing/2010/main" w="9525">
+              <a14:hiddenLine xmlns:a14="http://schemas.microsoft.com/office/drawing/2010/main" w="9525">
                 <a:solidFill>
                   <a:srgbClr val="000000"/>
                 </a:solidFill>
@@ -3984,14 +3984,14 @@
           <a:ln/>
           <a:extLst>
             <a:ext uri="{909E8E84-426E-40DD-AFC4-6F175D3DCCD1}">
-              <a14:hiddenFill xmlns="" xmlns:a14="http://schemas.microsoft.com/office/drawing/2010/main">
+              <a14:hiddenFill xmlns:a14="http://schemas.microsoft.com/office/drawing/2010/main">
                 <a:solidFill>
                   <a:srgbClr val="FFFFFF"/>
                 </a:solidFill>
               </a14:hiddenFill>
             </a:ext>
             <a:ext uri="{91240B29-F687-4F45-9708-019B960494DF}">
-              <a14:hiddenLine xmlns="" xmlns:a14="http://schemas.microsoft.com/office/drawing/2010/main" w="9525">
+              <a14:hiddenLine xmlns:a14="http://schemas.microsoft.com/office/drawing/2010/main" w="9525">
                 <a:solidFill>
                   <a:srgbClr val="000000"/>
                 </a:solidFill>
@@ -4014,7 +4014,7 @@
     </p:spTree>
     <p:extLst>
       <p:ext uri="{BB962C8B-B14F-4D97-AF65-F5344CB8AC3E}">
-        <p14:creationId xmlns="" xmlns:p14="http://schemas.microsoft.com/office/powerpoint/2010/main" val="2321226792"/>
+        <p14:creationId xmlns:p14="http://schemas.microsoft.com/office/powerpoint/2010/main" val="2321226792"/>
       </p:ext>
     </p:extLst>
   </p:cSld>
@@ -4056,14 +4056,14 @@
           <a:ln/>
           <a:extLst>
             <a:ext uri="{909E8E84-426E-40DD-AFC4-6F175D3DCCD1}">
-              <a14:hiddenFill xmlns="" xmlns:a14="http://schemas.microsoft.com/office/drawing/2010/main">
+              <a14:hiddenFill xmlns:a14="http://schemas.microsoft.com/office/drawing/2010/main">
                 <a:solidFill>
                   <a:srgbClr val="FFFFFF"/>
                 </a:solidFill>
               </a14:hiddenFill>
             </a:ext>
             <a:ext uri="{91240B29-F687-4F45-9708-019B960494DF}">
-              <a14:hiddenLine xmlns="" xmlns:a14="http://schemas.microsoft.com/office/drawing/2010/main" w="9525">
+              <a14:hiddenLine xmlns:a14="http://schemas.microsoft.com/office/drawing/2010/main" w="9525">
                 <a:solidFill>
                   <a:srgbClr val="000000"/>
                 </a:solidFill>
@@ -4237,14 +4237,14 @@
           <a:ln/>
           <a:extLst>
             <a:ext uri="{909E8E84-426E-40DD-AFC4-6F175D3DCCD1}">
-              <a14:hiddenFill xmlns="" xmlns:a14="http://schemas.microsoft.com/office/drawing/2010/main">
+              <a14:hiddenFill xmlns:a14="http://schemas.microsoft.com/office/drawing/2010/main">
                 <a:solidFill>
                   <a:srgbClr val="FFFFFF"/>
                 </a:solidFill>
               </a14:hiddenFill>
             </a:ext>
             <a:ext uri="{91240B29-F687-4F45-9708-019B960494DF}">
-              <a14:hiddenLine xmlns="" xmlns:a14="http://schemas.microsoft.com/office/drawing/2010/main" w="9525">
+              <a14:hiddenLine xmlns:a14="http://schemas.microsoft.com/office/drawing/2010/main" w="9525">
                 <a:solidFill>
                   <a:srgbClr val="000000"/>
                 </a:solidFill>
@@ -4267,7 +4267,7 @@
     </p:spTree>
     <p:extLst>
       <p:ext uri="{BB962C8B-B14F-4D97-AF65-F5344CB8AC3E}">
-        <p14:creationId xmlns="" xmlns:p14="http://schemas.microsoft.com/office/powerpoint/2010/main" val="2152984293"/>
+        <p14:creationId xmlns:p14="http://schemas.microsoft.com/office/powerpoint/2010/main" val="2152984293"/>
       </p:ext>
     </p:extLst>
   </p:cSld>
@@ -4309,14 +4309,14 @@
           <a:ln/>
           <a:extLst>
             <a:ext uri="{909E8E84-426E-40DD-AFC4-6F175D3DCCD1}">
-              <a14:hiddenFill xmlns="" xmlns:a14="http://schemas.microsoft.com/office/drawing/2010/main">
+              <a14:hiddenFill xmlns:a14="http://schemas.microsoft.com/office/drawing/2010/main">
                 <a:solidFill>
                   <a:srgbClr val="FFFFFF"/>
                 </a:solidFill>
               </a14:hiddenFill>
             </a:ext>
             <a:ext uri="{91240B29-F687-4F45-9708-019B960494DF}">
-              <a14:hiddenLine xmlns="" xmlns:a14="http://schemas.microsoft.com/office/drawing/2010/main" w="9525">
+              <a14:hiddenLine xmlns:a14="http://schemas.microsoft.com/office/drawing/2010/main" w="9525">
                 <a:solidFill>
                   <a:srgbClr val="000000"/>
                 </a:solidFill>
@@ -4490,14 +4490,14 @@
           <a:ln/>
           <a:extLst>
             <a:ext uri="{909E8E84-426E-40DD-AFC4-6F175D3DCCD1}">
-              <a14:hiddenFill xmlns="" xmlns:a14="http://schemas.microsoft.com/office/drawing/2010/main">
+              <a14:hiddenFill xmlns:a14="http://schemas.microsoft.com/office/drawing/2010/main">
                 <a:solidFill>
                   <a:srgbClr val="FFFFFF"/>
                 </a:solidFill>
               </a14:hiddenFill>
             </a:ext>
             <a:ext uri="{91240B29-F687-4F45-9708-019B960494DF}">
-              <a14:hiddenLine xmlns="" xmlns:a14="http://schemas.microsoft.com/office/drawing/2010/main" w="9525">
+              <a14:hiddenLine xmlns:a14="http://schemas.microsoft.com/office/drawing/2010/main" w="9525">
                 <a:solidFill>
                   <a:srgbClr val="000000"/>
                 </a:solidFill>
@@ -4520,7 +4520,7 @@
     </p:spTree>
     <p:extLst>
       <p:ext uri="{BB962C8B-B14F-4D97-AF65-F5344CB8AC3E}">
-        <p14:creationId xmlns="" xmlns:p14="http://schemas.microsoft.com/office/powerpoint/2010/main" val="4038923513"/>
+        <p14:creationId xmlns:p14="http://schemas.microsoft.com/office/powerpoint/2010/main" val="4038923513"/>
       </p:ext>
     </p:extLst>
   </p:cSld>
@@ -4562,14 +4562,14 @@
           <a:ln/>
           <a:extLst>
             <a:ext uri="{909E8E84-426E-40DD-AFC4-6F175D3DCCD1}">
-              <a14:hiddenFill xmlns="" xmlns:a14="http://schemas.microsoft.com/office/drawing/2010/main">
+              <a14:hiddenFill xmlns:a14="http://schemas.microsoft.com/office/drawing/2010/main">
                 <a:solidFill>
                   <a:srgbClr val="FFFFFF"/>
                 </a:solidFill>
               </a14:hiddenFill>
             </a:ext>
             <a:ext uri="{91240B29-F687-4F45-9708-019B960494DF}">
-              <a14:hiddenLine xmlns="" xmlns:a14="http://schemas.microsoft.com/office/drawing/2010/main" w="9525">
+              <a14:hiddenLine xmlns:a14="http://schemas.microsoft.com/office/drawing/2010/main" w="9525">
                 <a:solidFill>
                   <a:srgbClr val="000000"/>
                 </a:solidFill>
@@ -4743,14 +4743,14 @@
           <a:ln/>
           <a:extLst>
             <a:ext uri="{909E8E84-426E-40DD-AFC4-6F175D3DCCD1}">
-              <a14:hiddenFill xmlns="" xmlns:a14="http://schemas.microsoft.com/office/drawing/2010/main">
+              <a14:hiddenFill xmlns:a14="http://schemas.microsoft.com/office/drawing/2010/main">
                 <a:solidFill>
                   <a:srgbClr val="FFFFFF"/>
                 </a:solidFill>
               </a14:hiddenFill>
             </a:ext>
             <a:ext uri="{91240B29-F687-4F45-9708-019B960494DF}">
-              <a14:hiddenLine xmlns="" xmlns:a14="http://schemas.microsoft.com/office/drawing/2010/main" w="9525">
+              <a14:hiddenLine xmlns:a14="http://schemas.microsoft.com/office/drawing/2010/main" w="9525">
                 <a:solidFill>
                   <a:srgbClr val="000000"/>
                 </a:solidFill>
@@ -4773,7 +4773,7 @@
     </p:spTree>
     <p:extLst>
       <p:ext uri="{BB962C8B-B14F-4D97-AF65-F5344CB8AC3E}">
-        <p14:creationId xmlns="" xmlns:p14="http://schemas.microsoft.com/office/powerpoint/2010/main" val="1763622508"/>
+        <p14:creationId xmlns:p14="http://schemas.microsoft.com/office/powerpoint/2010/main" val="1763622508"/>
       </p:ext>
     </p:extLst>
   </p:cSld>
@@ -4815,14 +4815,14 @@
           <a:ln/>
           <a:extLst>
             <a:ext uri="{909E8E84-426E-40DD-AFC4-6F175D3DCCD1}">
-              <a14:hiddenFill xmlns="" xmlns:a14="http://schemas.microsoft.com/office/drawing/2010/main">
+              <a14:hiddenFill xmlns:a14="http://schemas.microsoft.com/office/drawing/2010/main">
                 <a:solidFill>
                   <a:srgbClr val="FFFFFF"/>
                 </a:solidFill>
               </a14:hiddenFill>
             </a:ext>
             <a:ext uri="{91240B29-F687-4F45-9708-019B960494DF}">
-              <a14:hiddenLine xmlns="" xmlns:a14="http://schemas.microsoft.com/office/drawing/2010/main" w="9525">
+              <a14:hiddenLine xmlns:a14="http://schemas.microsoft.com/office/drawing/2010/main" w="9525">
                 <a:solidFill>
                   <a:srgbClr val="000000"/>
                 </a:solidFill>
@@ -4996,14 +4996,14 @@
           <a:ln/>
           <a:extLst>
             <a:ext uri="{909E8E84-426E-40DD-AFC4-6F175D3DCCD1}">
-              <a14:hiddenFill xmlns="" xmlns:a14="http://schemas.microsoft.com/office/drawing/2010/main">
+              <a14:hiddenFill xmlns:a14="http://schemas.microsoft.com/office/drawing/2010/main">
                 <a:solidFill>
                   <a:srgbClr val="FFFFFF"/>
                 </a:solidFill>
               </a14:hiddenFill>
             </a:ext>
             <a:ext uri="{91240B29-F687-4F45-9708-019B960494DF}">
-              <a14:hiddenLine xmlns="" xmlns:a14="http://schemas.microsoft.com/office/drawing/2010/main" w="9525">
+              <a14:hiddenLine xmlns:a14="http://schemas.microsoft.com/office/drawing/2010/main" w="9525">
                 <a:solidFill>
                   <a:srgbClr val="000000"/>
                 </a:solidFill>
@@ -5026,7 +5026,7 @@
     </p:spTree>
     <p:extLst>
       <p:ext uri="{BB962C8B-B14F-4D97-AF65-F5344CB8AC3E}">
-        <p14:creationId xmlns="" xmlns:p14="http://schemas.microsoft.com/office/powerpoint/2010/main" val="2375052783"/>
+        <p14:creationId xmlns:p14="http://schemas.microsoft.com/office/powerpoint/2010/main" val="2375052783"/>
       </p:ext>
     </p:extLst>
   </p:cSld>
@@ -5068,14 +5068,14 @@
           <a:ln/>
           <a:extLst>
             <a:ext uri="{909E8E84-426E-40DD-AFC4-6F175D3DCCD1}">
-              <a14:hiddenFill xmlns="" xmlns:a14="http://schemas.microsoft.com/office/drawing/2010/main">
+              <a14:hiddenFill xmlns:a14="http://schemas.microsoft.com/office/drawing/2010/main">
                 <a:solidFill>
                   <a:srgbClr val="FFFFFF"/>
                 </a:solidFill>
               </a14:hiddenFill>
             </a:ext>
             <a:ext uri="{91240B29-F687-4F45-9708-019B960494DF}">
-              <a14:hiddenLine xmlns="" xmlns:a14="http://schemas.microsoft.com/office/drawing/2010/main" w="9525">
+              <a14:hiddenLine xmlns:a14="http://schemas.microsoft.com/office/drawing/2010/main" w="9525">
                 <a:solidFill>
                   <a:srgbClr val="000000"/>
                 </a:solidFill>
@@ -5249,14 +5249,14 @@
           <a:ln/>
           <a:extLst>
             <a:ext uri="{909E8E84-426E-40DD-AFC4-6F175D3DCCD1}">
-              <a14:hiddenFill xmlns="" xmlns:a14="http://schemas.microsoft.com/office/drawing/2010/main">
+              <a14:hiddenFill xmlns:a14="http://schemas.microsoft.com/office/drawing/2010/main">
                 <a:solidFill>
                   <a:srgbClr val="FFFFFF"/>
                 </a:solidFill>
               </a14:hiddenFill>
             </a:ext>
             <a:ext uri="{91240B29-F687-4F45-9708-019B960494DF}">
-              <a14:hiddenLine xmlns="" xmlns:a14="http://schemas.microsoft.com/office/drawing/2010/main" w="9525">
+              <a14:hiddenLine xmlns:a14="http://schemas.microsoft.com/office/drawing/2010/main" w="9525">
                 <a:solidFill>
                   <a:srgbClr val="000000"/>
                 </a:solidFill>
@@ -5279,7 +5279,7 @@
     </p:spTree>
     <p:extLst>
       <p:ext uri="{BB962C8B-B14F-4D97-AF65-F5344CB8AC3E}">
-        <p14:creationId xmlns="" xmlns:p14="http://schemas.microsoft.com/office/powerpoint/2010/main" val="4197526147"/>
+        <p14:creationId xmlns:p14="http://schemas.microsoft.com/office/powerpoint/2010/main" val="4197526147"/>
       </p:ext>
     </p:extLst>
   </p:cSld>
@@ -5792,7 +5792,7 @@
             <a:fld id="{F7EFABDB-8C92-4534-93BB-6EB8013CBA37}" type="datetimeFigureOut">
               <a:rPr lang="en-US" smtClean="0"/>
               <a:pPr/>
-              <a:t>3/11/2014</a:t>
+              <a:t>4/19/2019</a:t>
             </a:fld>
             <a:endParaRPr lang="en-US"/>
           </a:p>
@@ -5849,7 +5849,7 @@
     </p:spTree>
     <p:extLst>
       <p:ext uri="{BB962C8B-B14F-4D97-AF65-F5344CB8AC3E}">
-        <p14:creationId xmlns="" xmlns:p14="http://schemas.microsoft.com/office/powerpoint/2010/main" val="866215418"/>
+        <p14:creationId xmlns:p14="http://schemas.microsoft.com/office/powerpoint/2010/main" val="866215418"/>
       </p:ext>
     </p:extLst>
   </p:cSld>
@@ -6090,7 +6090,7 @@
             <a:fld id="{F7EFABDB-8C92-4534-93BB-6EB8013CBA37}" type="datetimeFigureOut">
               <a:rPr lang="en-US" smtClean="0"/>
               <a:pPr/>
-              <a:t>3/11/2014</a:t>
+              <a:t>4/19/2019</a:t>
             </a:fld>
             <a:endParaRPr lang="en-US"/>
           </a:p>
@@ -6142,7 +6142,7 @@
     </p:spTree>
     <p:extLst>
       <p:ext uri="{BB962C8B-B14F-4D97-AF65-F5344CB8AC3E}">
-        <p14:creationId xmlns="" xmlns:p14="http://schemas.microsoft.com/office/powerpoint/2010/main" val="2280154876"/>
+        <p14:creationId xmlns:p14="http://schemas.microsoft.com/office/powerpoint/2010/main" val="2280154876"/>
       </p:ext>
     </p:extLst>
   </p:cSld>
@@ -6340,7 +6340,7 @@
             <a:fld id="{F7EFABDB-8C92-4534-93BB-6EB8013CBA37}" type="datetimeFigureOut">
               <a:rPr lang="en-US" smtClean="0"/>
               <a:pPr/>
-              <a:t>3/11/2014</a:t>
+              <a:t>4/19/2019</a:t>
             </a:fld>
             <a:endParaRPr lang="en-US"/>
           </a:p>
@@ -6392,7 +6392,7 @@
     </p:spTree>
     <p:extLst>
       <p:ext uri="{BB962C8B-B14F-4D97-AF65-F5344CB8AC3E}">
-        <p14:creationId xmlns="" xmlns:p14="http://schemas.microsoft.com/office/powerpoint/2010/main" val="453971680"/>
+        <p14:creationId xmlns:p14="http://schemas.microsoft.com/office/powerpoint/2010/main" val="453971680"/>
       </p:ext>
     </p:extLst>
   </p:cSld>
@@ -6882,7 +6882,7 @@
             <a:fld id="{F7EFABDB-8C92-4534-93BB-6EB8013CBA37}" type="datetimeFigureOut">
               <a:rPr lang="en-US" smtClean="0"/>
               <a:pPr/>
-              <a:t>3/11/2014</a:t>
+              <a:t>4/19/2019</a:t>
             </a:fld>
             <a:endParaRPr lang="en-US"/>
           </a:p>
@@ -6934,7 +6934,7 @@
     </p:spTree>
     <p:extLst>
       <p:ext uri="{BB962C8B-B14F-4D97-AF65-F5344CB8AC3E}">
-        <p14:creationId xmlns="" xmlns:p14="http://schemas.microsoft.com/office/powerpoint/2010/main" val="3933430262"/>
+        <p14:creationId xmlns:p14="http://schemas.microsoft.com/office/powerpoint/2010/main" val="3933430262"/>
       </p:ext>
     </p:extLst>
   </p:cSld>
@@ -7132,7 +7132,7 @@
             <a:fld id="{F7EFABDB-8C92-4534-93BB-6EB8013CBA37}" type="datetimeFigureOut">
               <a:rPr lang="en-US" smtClean="0"/>
               <a:pPr/>
-              <a:t>3/11/2014</a:t>
+              <a:t>4/19/2019</a:t>
             </a:fld>
             <a:endParaRPr lang="en-US"/>
           </a:p>
@@ -7184,7 +7184,7 @@
     </p:spTree>
     <p:extLst>
       <p:ext uri="{BB962C8B-B14F-4D97-AF65-F5344CB8AC3E}">
-        <p14:creationId xmlns="" xmlns:p14="http://schemas.microsoft.com/office/powerpoint/2010/main" val="1265734292"/>
+        <p14:creationId xmlns:p14="http://schemas.microsoft.com/office/powerpoint/2010/main" val="1265734292"/>
       </p:ext>
     </p:extLst>
   </p:cSld>
@@ -7666,7 +7666,7 @@
             <a:fld id="{F7EFABDB-8C92-4534-93BB-6EB8013CBA37}" type="datetimeFigureOut">
               <a:rPr lang="en-US" smtClean="0"/>
               <a:pPr/>
-              <a:t>3/11/2014</a:t>
+              <a:t>4/19/2019</a:t>
             </a:fld>
             <a:endParaRPr lang="en-US"/>
           </a:p>
@@ -7718,7 +7718,7 @@
     </p:spTree>
     <p:extLst>
       <p:ext uri="{BB962C8B-B14F-4D97-AF65-F5344CB8AC3E}">
-        <p14:creationId xmlns="" xmlns:p14="http://schemas.microsoft.com/office/powerpoint/2010/main" val="2441519498"/>
+        <p14:creationId xmlns:p14="http://schemas.microsoft.com/office/powerpoint/2010/main" val="2441519498"/>
       </p:ext>
     </p:extLst>
   </p:cSld>
@@ -7965,7 +7965,7 @@
             <a:fld id="{F7EFABDB-8C92-4534-93BB-6EB8013CBA37}" type="datetimeFigureOut">
               <a:rPr lang="en-US" smtClean="0"/>
               <a:pPr/>
-              <a:t>3/11/2014</a:t>
+              <a:t>4/19/2019</a:t>
             </a:fld>
             <a:endParaRPr lang="en-US"/>
           </a:p>
@@ -8017,7 +8017,7 @@
     </p:spTree>
     <p:extLst>
       <p:ext uri="{BB962C8B-B14F-4D97-AF65-F5344CB8AC3E}">
-        <p14:creationId xmlns="" xmlns:p14="http://schemas.microsoft.com/office/powerpoint/2010/main" val="2692317615"/>
+        <p14:creationId xmlns:p14="http://schemas.microsoft.com/office/powerpoint/2010/main" val="2692317615"/>
       </p:ext>
     </p:extLst>
   </p:cSld>
@@ -8141,7 +8141,7 @@
             <a:fld id="{F7EFABDB-8C92-4534-93BB-6EB8013CBA37}" type="datetimeFigureOut">
               <a:rPr lang="en-US" smtClean="0"/>
               <a:pPr/>
-              <a:t>3/11/2014</a:t>
+              <a:t>4/19/2019</a:t>
             </a:fld>
             <a:endParaRPr lang="en-US"/>
           </a:p>
@@ -8193,7 +8193,7 @@
     </p:spTree>
     <p:extLst>
       <p:ext uri="{BB962C8B-B14F-4D97-AF65-F5344CB8AC3E}">
-        <p14:creationId xmlns="" xmlns:p14="http://schemas.microsoft.com/office/powerpoint/2010/main" val="4274252344"/>
+        <p14:creationId xmlns:p14="http://schemas.microsoft.com/office/powerpoint/2010/main" val="4274252344"/>
       </p:ext>
     </p:extLst>
   </p:cSld>
@@ -8323,7 +8323,7 @@
             <a:fld id="{F7EFABDB-8C92-4534-93BB-6EB8013CBA37}" type="datetimeFigureOut">
               <a:rPr lang="en-US" smtClean="0"/>
               <a:pPr/>
-              <a:t>3/11/2014</a:t>
+              <a:t>4/19/2019</a:t>
             </a:fld>
             <a:endParaRPr lang="en-US"/>
           </a:p>
@@ -8375,7 +8375,7 @@
     </p:spTree>
     <p:extLst>
       <p:ext uri="{BB962C8B-B14F-4D97-AF65-F5344CB8AC3E}">
-        <p14:creationId xmlns="" xmlns:p14="http://schemas.microsoft.com/office/powerpoint/2010/main" val="1043561668"/>
+        <p14:creationId xmlns:p14="http://schemas.microsoft.com/office/powerpoint/2010/main" val="1043561668"/>
       </p:ext>
     </p:extLst>
   </p:cSld>
@@ -8615,7 +8615,7 @@
     </p:spTree>
     <p:extLst>
       <p:ext uri="{BB962C8B-B14F-4D97-AF65-F5344CB8AC3E}">
-        <p14:creationId xmlns="" xmlns:p14="http://schemas.microsoft.com/office/powerpoint/2010/main" val="1678930714"/>
+        <p14:creationId xmlns:p14="http://schemas.microsoft.com/office/powerpoint/2010/main" val="1678930714"/>
       </p:ext>
     </p:extLst>
   </p:cSld>
@@ -8735,7 +8735,7 @@
             <a:fld id="{F7EFABDB-8C92-4534-93BB-6EB8013CBA37}" type="datetimeFigureOut">
               <a:rPr lang="en-US" smtClean="0"/>
               <a:pPr/>
-              <a:t>3/11/2014</a:t>
+              <a:t>4/19/2019</a:t>
             </a:fld>
             <a:endParaRPr lang="en-US"/>
           </a:p>
@@ -8792,7 +8792,7 @@
     </p:spTree>
     <p:extLst>
       <p:ext uri="{BB962C8B-B14F-4D97-AF65-F5344CB8AC3E}">
-        <p14:creationId xmlns="" xmlns:p14="http://schemas.microsoft.com/office/powerpoint/2010/main" val="2541102804"/>
+        <p14:creationId xmlns:p14="http://schemas.microsoft.com/office/powerpoint/2010/main" val="2541102804"/>
       </p:ext>
     </p:extLst>
   </p:cSld>
@@ -8988,7 +8988,7 @@
             <a:fld id="{F7EFABDB-8C92-4534-93BB-6EB8013CBA37}" type="datetimeFigureOut">
               <a:rPr lang="en-US" smtClean="0"/>
               <a:pPr/>
-              <a:t>3/11/2014</a:t>
+              <a:t>4/19/2019</a:t>
             </a:fld>
             <a:endParaRPr lang="en-US"/>
           </a:p>
@@ -9040,7 +9040,7 @@
     </p:spTree>
     <p:extLst>
       <p:ext uri="{BB962C8B-B14F-4D97-AF65-F5344CB8AC3E}">
-        <p14:creationId xmlns="" xmlns:p14="http://schemas.microsoft.com/office/powerpoint/2010/main" val="3534881530"/>
+        <p14:creationId xmlns:p14="http://schemas.microsoft.com/office/powerpoint/2010/main" val="3534881530"/>
       </p:ext>
     </p:extLst>
   </p:cSld>
@@ -9287,7 +9287,7 @@
             <a:fld id="{F7EFABDB-8C92-4534-93BB-6EB8013CBA37}" type="datetimeFigureOut">
               <a:rPr lang="en-US" smtClean="0"/>
               <a:pPr/>
-              <a:t>3/11/2014</a:t>
+              <a:t>4/19/2019</a:t>
             </a:fld>
             <a:endParaRPr lang="en-US"/>
           </a:p>
@@ -9339,7 +9339,7 @@
     </p:spTree>
     <p:extLst>
       <p:ext uri="{BB962C8B-B14F-4D97-AF65-F5344CB8AC3E}">
-        <p14:creationId xmlns="" xmlns:p14="http://schemas.microsoft.com/office/powerpoint/2010/main" val="1225008995"/>
+        <p14:creationId xmlns:p14="http://schemas.microsoft.com/office/powerpoint/2010/main" val="1225008995"/>
       </p:ext>
     </p:extLst>
   </p:cSld>
@@ -9731,7 +9731,7 @@
             <a:fld id="{F7EFABDB-8C92-4534-93BB-6EB8013CBA37}" type="datetimeFigureOut">
               <a:rPr lang="en-US" smtClean="0"/>
               <a:pPr/>
-              <a:t>3/11/2014</a:t>
+              <a:t>4/19/2019</a:t>
             </a:fld>
             <a:endParaRPr lang="en-US"/>
           </a:p>
@@ -9783,7 +9783,7 @@
     </p:spTree>
     <p:extLst>
       <p:ext uri="{BB962C8B-B14F-4D97-AF65-F5344CB8AC3E}">
-        <p14:creationId xmlns="" xmlns:p14="http://schemas.microsoft.com/office/powerpoint/2010/main" val="1713315623"/>
+        <p14:creationId xmlns:p14="http://schemas.microsoft.com/office/powerpoint/2010/main" val="1713315623"/>
       </p:ext>
     </p:extLst>
   </p:cSld>
@@ -9851,7 +9851,7 @@
             <a:fld id="{F7EFABDB-8C92-4534-93BB-6EB8013CBA37}" type="datetimeFigureOut">
               <a:rPr lang="en-US" smtClean="0"/>
               <a:pPr/>
-              <a:t>3/11/2014</a:t>
+              <a:t>4/19/2019</a:t>
             </a:fld>
             <a:endParaRPr lang="en-US"/>
           </a:p>
@@ -9903,7 +9903,7 @@
     </p:spTree>
     <p:extLst>
       <p:ext uri="{BB962C8B-B14F-4D97-AF65-F5344CB8AC3E}">
-        <p14:creationId xmlns="" xmlns:p14="http://schemas.microsoft.com/office/powerpoint/2010/main" val="2324470051"/>
+        <p14:creationId xmlns:p14="http://schemas.microsoft.com/office/powerpoint/2010/main" val="2324470051"/>
       </p:ext>
     </p:extLst>
   </p:cSld>
@@ -9948,7 +9948,7 @@
             <a:fld id="{F7EFABDB-8C92-4534-93BB-6EB8013CBA37}" type="datetimeFigureOut">
               <a:rPr lang="en-US" smtClean="0"/>
               <a:pPr/>
-              <a:t>3/11/2014</a:t>
+              <a:t>4/19/2019</a:t>
             </a:fld>
             <a:endParaRPr lang="en-US"/>
           </a:p>
@@ -10000,7 +10000,7 @@
     </p:spTree>
     <p:extLst>
       <p:ext uri="{BB962C8B-B14F-4D97-AF65-F5344CB8AC3E}">
-        <p14:creationId xmlns="" xmlns:p14="http://schemas.microsoft.com/office/powerpoint/2010/main" val="2931332772"/>
+        <p14:creationId xmlns:p14="http://schemas.microsoft.com/office/powerpoint/2010/main" val="2931332772"/>
       </p:ext>
     </p:extLst>
   </p:cSld>
@@ -10233,7 +10233,7 @@
             <a:fld id="{F7EFABDB-8C92-4534-93BB-6EB8013CBA37}" type="datetimeFigureOut">
               <a:rPr lang="en-US" smtClean="0"/>
               <a:pPr/>
-              <a:t>3/11/2014</a:t>
+              <a:t>4/19/2019</a:t>
             </a:fld>
             <a:endParaRPr lang="en-US"/>
           </a:p>
@@ -10285,7 +10285,7 @@
     </p:spTree>
     <p:extLst>
       <p:ext uri="{BB962C8B-B14F-4D97-AF65-F5344CB8AC3E}">
-        <p14:creationId xmlns="" xmlns:p14="http://schemas.microsoft.com/office/powerpoint/2010/main" val="723537567"/>
+        <p14:creationId xmlns:p14="http://schemas.microsoft.com/office/powerpoint/2010/main" val="723537567"/>
       </p:ext>
     </p:extLst>
   </p:cSld>
@@ -10526,7 +10526,7 @@
             <a:fld id="{F7EFABDB-8C92-4534-93BB-6EB8013CBA37}" type="datetimeFigureOut">
               <a:rPr lang="en-US" smtClean="0"/>
               <a:pPr/>
-              <a:t>3/11/2014</a:t>
+              <a:t>4/19/2019</a:t>
             </a:fld>
             <a:endParaRPr lang="en-US"/>
           </a:p>
@@ -10578,7 +10578,7 @@
     </p:spTree>
     <p:extLst>
       <p:ext uri="{BB962C8B-B14F-4D97-AF65-F5344CB8AC3E}">
-        <p14:creationId xmlns="" xmlns:p14="http://schemas.microsoft.com/office/powerpoint/2010/main" val="498262017"/>
+        <p14:creationId xmlns:p14="http://schemas.microsoft.com/office/powerpoint/2010/main" val="498262017"/>
       </p:ext>
     </p:extLst>
   </p:cSld>
@@ -11058,7 +11058,7 @@
             <a:fld id="{F7EFABDB-8C92-4534-93BB-6EB8013CBA37}" type="datetimeFigureOut">
               <a:rPr lang="en-US" smtClean="0"/>
               <a:pPr/>
-              <a:t>3/11/2014</a:t>
+              <a:t>4/19/2019</a:t>
             </a:fld>
             <a:endParaRPr lang="en-US"/>
           </a:p>
@@ -11146,7 +11146,7 @@
     </p:spTree>
     <p:extLst>
       <p:ext uri="{BB962C8B-B14F-4D97-AF65-F5344CB8AC3E}">
-        <p14:creationId xmlns="" xmlns:p14="http://schemas.microsoft.com/office/powerpoint/2010/main" val="404970836"/>
+        <p14:creationId xmlns:p14="http://schemas.microsoft.com/office/powerpoint/2010/main" val="404970836"/>
       </p:ext>
     </p:extLst>
   </p:cSld>
@@ -11626,11 +11626,11 @@
             </a:br>
             <a:r>
               <a:rPr lang="en-US" dirty="0" smtClean="0"/>
-              <a:t>				  			</a:t>
-            </a:r>
-            <a:r>
-              <a:rPr lang="en-US" sz="2000" dirty="0" smtClean="0"/>
-              <a:t>BY CHENCHU KRISHNA</a:t>
+              <a:t>				  		</a:t>
+            </a:r>
+            <a:r>
+              <a:rPr lang="en-US" smtClean="0"/>
+              <a:t>	</a:t>
             </a:r>
             <a:endParaRPr lang="en-US" sz="2000" dirty="0"/>
           </a:p>
@@ -11783,14 +11783,14 @@
           <a:ln/>
           <a:extLst>
             <a:ext uri="{909E8E84-426E-40DD-AFC4-6F175D3DCCD1}">
-              <a14:hiddenFill xmlns="" xmlns:a14="http://schemas.microsoft.com/office/drawing/2010/main">
+              <a14:hiddenFill xmlns:a14="http://schemas.microsoft.com/office/drawing/2010/main">
                 <a:solidFill>
                   <a:srgbClr val="FFFFFF"/>
                 </a:solidFill>
               </a14:hiddenFill>
             </a:ext>
             <a:ext uri="{91240B29-F687-4F45-9708-019B960494DF}">
-              <a14:hiddenLine xmlns="" xmlns:a14="http://schemas.microsoft.com/office/drawing/2010/main" w="9525">
+              <a14:hiddenLine xmlns:a14="http://schemas.microsoft.com/office/drawing/2010/main" w="9525">
                 <a:solidFill>
                   <a:srgbClr val="000000"/>
                 </a:solidFill>
@@ -11960,7 +11960,7 @@
           <a:blip r:embed="rId3" cstate="print">
             <a:extLst>
               <a:ext uri="{28A0092B-C50C-407E-A947-70E740481C1C}">
-                <a14:useLocalDpi xmlns="" xmlns:a14="http://schemas.microsoft.com/office/drawing/2010/main" val="0"/>
+                <a14:useLocalDpi xmlns:a14="http://schemas.microsoft.com/office/drawing/2010/main" val="0"/>
               </a:ext>
             </a:extLst>
           </a:blip>
@@ -11983,14 +11983,14 @@
           </a:ln>
           <a:extLst>
             <a:ext uri="{909E8E84-426E-40DD-AFC4-6F175D3DCCD1}">
-              <a14:hiddenFill xmlns="" xmlns:a14="http://schemas.microsoft.com/office/drawing/2010/main">
+              <a14:hiddenFill xmlns:a14="http://schemas.microsoft.com/office/drawing/2010/main">
                 <a:solidFill>
                   <a:srgbClr val="FFFFFF"/>
                 </a:solidFill>
               </a14:hiddenFill>
             </a:ext>
             <a:ext uri="{91240B29-F687-4F45-9708-019B960494DF}">
-              <a14:hiddenLine xmlns="" xmlns:a14="http://schemas.microsoft.com/office/drawing/2010/main" w="9525">
+              <a14:hiddenLine xmlns:a14="http://schemas.microsoft.com/office/drawing/2010/main" w="9525">
                 <a:solidFill>
                   <a:srgbClr val="000000"/>
                 </a:solidFill>
@@ -12024,14 +12024,14 @@
           </a:ln>
           <a:extLst>
             <a:ext uri="{909E8E84-426E-40DD-AFC4-6F175D3DCCD1}">
-              <a14:hiddenFill xmlns="" xmlns:a14="http://schemas.microsoft.com/office/drawing/2010/main">
+              <a14:hiddenFill xmlns:a14="http://schemas.microsoft.com/office/drawing/2010/main">
                 <a:solidFill>
                   <a:srgbClr val="FFFFFF"/>
                 </a:solidFill>
               </a14:hiddenFill>
             </a:ext>
             <a:ext uri="{91240B29-F687-4F45-9708-019B960494DF}">
-              <a14:hiddenLine xmlns="" xmlns:a14="http://schemas.microsoft.com/office/drawing/2010/main" w="9525">
+              <a14:hiddenLine xmlns:a14="http://schemas.microsoft.com/office/drawing/2010/main" w="9525">
                 <a:solidFill>
                   <a:srgbClr val="000000"/>
                 </a:solidFill>
@@ -12364,7 +12364,7 @@
     </p:spTree>
     <p:extLst>
       <p:ext uri="{BB962C8B-B14F-4D97-AF65-F5344CB8AC3E}">
-        <p14:creationId xmlns="" xmlns:p14="http://schemas.microsoft.com/office/powerpoint/2010/main" val="1598225956"/>
+        <p14:creationId xmlns:p14="http://schemas.microsoft.com/office/powerpoint/2010/main" val="1598225956"/>
       </p:ext>
     </p:extLst>
   </p:cSld>
@@ -12462,14 +12462,14 @@
           <a:ln/>
           <a:extLst>
             <a:ext uri="{909E8E84-426E-40DD-AFC4-6F175D3DCCD1}">
-              <a14:hiddenFill xmlns="" xmlns:a14="http://schemas.microsoft.com/office/drawing/2010/main">
+              <a14:hiddenFill xmlns:a14="http://schemas.microsoft.com/office/drawing/2010/main">
                 <a:solidFill>
                   <a:srgbClr val="FFFFFF"/>
                 </a:solidFill>
               </a14:hiddenFill>
             </a:ext>
             <a:ext uri="{91240B29-F687-4F45-9708-019B960494DF}">
-              <a14:hiddenLine xmlns="" xmlns:a14="http://schemas.microsoft.com/office/drawing/2010/main" w="9525">
+              <a14:hiddenLine xmlns:a14="http://schemas.microsoft.com/office/drawing/2010/main" w="9525">
                 <a:solidFill>
                   <a:srgbClr val="000000"/>
                 </a:solidFill>
@@ -12639,7 +12639,7 @@
           <a:blip r:embed="rId3" cstate="print">
             <a:extLst>
               <a:ext uri="{28A0092B-C50C-407E-A947-70E740481C1C}">
-                <a14:useLocalDpi xmlns="" xmlns:a14="http://schemas.microsoft.com/office/drawing/2010/main" val="0"/>
+                <a14:useLocalDpi xmlns:a14="http://schemas.microsoft.com/office/drawing/2010/main" val="0"/>
               </a:ext>
             </a:extLst>
           </a:blip>
@@ -12662,14 +12662,14 @@
           </a:ln>
           <a:extLst>
             <a:ext uri="{909E8E84-426E-40DD-AFC4-6F175D3DCCD1}">
-              <a14:hiddenFill xmlns="" xmlns:a14="http://schemas.microsoft.com/office/drawing/2010/main">
+              <a14:hiddenFill xmlns:a14="http://schemas.microsoft.com/office/drawing/2010/main">
                 <a:solidFill>
                   <a:srgbClr val="FFFFFF"/>
                 </a:solidFill>
               </a14:hiddenFill>
             </a:ext>
             <a:ext uri="{91240B29-F687-4F45-9708-019B960494DF}">
-              <a14:hiddenLine xmlns="" xmlns:a14="http://schemas.microsoft.com/office/drawing/2010/main" w="9525">
+              <a14:hiddenLine xmlns:a14="http://schemas.microsoft.com/office/drawing/2010/main" w="9525">
                 <a:solidFill>
                   <a:srgbClr val="000000"/>
                 </a:solidFill>
@@ -12684,7 +12684,7 @@
     </p:spTree>
     <p:extLst>
       <p:ext uri="{BB962C8B-B14F-4D97-AF65-F5344CB8AC3E}">
-        <p14:creationId xmlns="" xmlns:p14="http://schemas.microsoft.com/office/powerpoint/2010/main" val="1005490956"/>
+        <p14:creationId xmlns:p14="http://schemas.microsoft.com/office/powerpoint/2010/main" val="1005490956"/>
       </p:ext>
     </p:extLst>
   </p:cSld>
@@ -12767,14 +12767,14 @@
           <a:ln/>
           <a:extLst>
             <a:ext uri="{909E8E84-426E-40DD-AFC4-6F175D3DCCD1}">
-              <a14:hiddenFill xmlns="" xmlns:a14="http://schemas.microsoft.com/office/drawing/2010/main">
+              <a14:hiddenFill xmlns:a14="http://schemas.microsoft.com/office/drawing/2010/main">
                 <a:solidFill>
                   <a:srgbClr val="FFFFFF"/>
                 </a:solidFill>
               </a14:hiddenFill>
             </a:ext>
             <a:ext uri="{91240B29-F687-4F45-9708-019B960494DF}">
-              <a14:hiddenLine xmlns="" xmlns:a14="http://schemas.microsoft.com/office/drawing/2010/main" w="9525">
+              <a14:hiddenLine xmlns:a14="http://schemas.microsoft.com/office/drawing/2010/main" w="9525">
                 <a:solidFill>
                   <a:srgbClr val="000000"/>
                 </a:solidFill>
@@ -12944,7 +12944,7 @@
           <a:blip r:embed="rId3" cstate="print">
             <a:extLst>
               <a:ext uri="{28A0092B-C50C-407E-A947-70E740481C1C}">
-                <a14:useLocalDpi xmlns="" xmlns:a14="http://schemas.microsoft.com/office/drawing/2010/main" val="0"/>
+                <a14:useLocalDpi xmlns:a14="http://schemas.microsoft.com/office/drawing/2010/main" val="0"/>
               </a:ext>
             </a:extLst>
           </a:blip>
@@ -12967,14 +12967,14 @@
           </a:ln>
           <a:extLst>
             <a:ext uri="{909E8E84-426E-40DD-AFC4-6F175D3DCCD1}">
-              <a14:hiddenFill xmlns="" xmlns:a14="http://schemas.microsoft.com/office/drawing/2010/main">
+              <a14:hiddenFill xmlns:a14="http://schemas.microsoft.com/office/drawing/2010/main">
                 <a:solidFill>
                   <a:srgbClr val="FFFFFF"/>
                 </a:solidFill>
               </a14:hiddenFill>
             </a:ext>
             <a:ext uri="{91240B29-F687-4F45-9708-019B960494DF}">
-              <a14:hiddenLine xmlns="" xmlns:a14="http://schemas.microsoft.com/office/drawing/2010/main" w="9525">
+              <a14:hiddenLine xmlns:a14="http://schemas.microsoft.com/office/drawing/2010/main" w="9525">
                 <a:solidFill>
                   <a:srgbClr val="000000"/>
                 </a:solidFill>
@@ -12989,7 +12989,7 @@
     </p:spTree>
     <p:extLst>
       <p:ext uri="{BB962C8B-B14F-4D97-AF65-F5344CB8AC3E}">
-        <p14:creationId xmlns="" xmlns:p14="http://schemas.microsoft.com/office/powerpoint/2010/main" val="1537595327"/>
+        <p14:creationId xmlns:p14="http://schemas.microsoft.com/office/powerpoint/2010/main" val="1537595327"/>
       </p:ext>
     </p:extLst>
   </p:cSld>
@@ -13120,14 +13120,14 @@
           <a:ln/>
           <a:extLst>
             <a:ext uri="{909E8E84-426E-40DD-AFC4-6F175D3DCCD1}">
-              <a14:hiddenFill xmlns="" xmlns:a14="http://schemas.microsoft.com/office/drawing/2010/main">
+              <a14:hiddenFill xmlns:a14="http://schemas.microsoft.com/office/drawing/2010/main">
                 <a:solidFill>
                   <a:srgbClr val="FFFFFF"/>
                 </a:solidFill>
               </a14:hiddenFill>
             </a:ext>
             <a:ext uri="{91240B29-F687-4F45-9708-019B960494DF}">
-              <a14:hiddenLine xmlns="" xmlns:a14="http://schemas.microsoft.com/office/drawing/2010/main" w="9525">
+              <a14:hiddenLine xmlns:a14="http://schemas.microsoft.com/office/drawing/2010/main" w="9525">
                 <a:solidFill>
                   <a:srgbClr val="000000"/>
                 </a:solidFill>
@@ -13288,7 +13288,7 @@
     </p:spTree>
     <p:extLst>
       <p:ext uri="{BB962C8B-B14F-4D97-AF65-F5344CB8AC3E}">
-        <p14:creationId xmlns="" xmlns:p14="http://schemas.microsoft.com/office/powerpoint/2010/main" val="2042267807"/>
+        <p14:creationId xmlns:p14="http://schemas.microsoft.com/office/powerpoint/2010/main" val="2042267807"/>
       </p:ext>
     </p:extLst>
   </p:cSld>
@@ -13340,14 +13340,14 @@
           <a:ln/>
           <a:extLst>
             <a:ext uri="{909E8E84-426E-40DD-AFC4-6F175D3DCCD1}">
-              <a14:hiddenFill xmlns="" xmlns:a14="http://schemas.microsoft.com/office/drawing/2010/main">
+              <a14:hiddenFill xmlns:a14="http://schemas.microsoft.com/office/drawing/2010/main">
                 <a:solidFill>
                   <a:srgbClr val="FFFFFF"/>
                 </a:solidFill>
               </a14:hiddenFill>
             </a:ext>
             <a:ext uri="{91240B29-F687-4F45-9708-019B960494DF}">
-              <a14:hiddenLine xmlns="" xmlns:a14="http://schemas.microsoft.com/office/drawing/2010/main" w="9525">
+              <a14:hiddenLine xmlns:a14="http://schemas.microsoft.com/office/drawing/2010/main" w="9525">
                 <a:solidFill>
                   <a:srgbClr val="000000"/>
                 </a:solidFill>
@@ -13517,7 +13517,7 @@
           <a:blip r:embed="rId3" cstate="print">
             <a:extLst>
               <a:ext uri="{28A0092B-C50C-407E-A947-70E740481C1C}">
-                <a14:useLocalDpi xmlns="" xmlns:a14="http://schemas.microsoft.com/office/drawing/2010/main" val="0"/>
+                <a14:useLocalDpi xmlns:a14="http://schemas.microsoft.com/office/drawing/2010/main" val="0"/>
               </a:ext>
             </a:extLst>
           </a:blip>
@@ -13540,14 +13540,14 @@
           </a:ln>
           <a:extLst>
             <a:ext uri="{909E8E84-426E-40DD-AFC4-6F175D3DCCD1}">
-              <a14:hiddenFill xmlns="" xmlns:a14="http://schemas.microsoft.com/office/drawing/2010/main">
+              <a14:hiddenFill xmlns:a14="http://schemas.microsoft.com/office/drawing/2010/main">
                 <a:solidFill>
                   <a:srgbClr val="FFFFFF"/>
                 </a:solidFill>
               </a14:hiddenFill>
             </a:ext>
             <a:ext uri="{91240B29-F687-4F45-9708-019B960494DF}">
-              <a14:hiddenLine xmlns="" xmlns:a14="http://schemas.microsoft.com/office/drawing/2010/main" w="9525">
+              <a14:hiddenLine xmlns:a14="http://schemas.microsoft.com/office/drawing/2010/main" w="9525">
                 <a:solidFill>
                   <a:srgbClr val="000000"/>
                 </a:solidFill>
@@ -13571,7 +13571,7 @@
           <a:blip r:embed="rId4" cstate="print">
             <a:extLst>
               <a:ext uri="{28A0092B-C50C-407E-A947-70E740481C1C}">
-                <a14:useLocalDpi xmlns="" xmlns:a14="http://schemas.microsoft.com/office/drawing/2010/main" val="0"/>
+                <a14:useLocalDpi xmlns:a14="http://schemas.microsoft.com/office/drawing/2010/main" val="0"/>
               </a:ext>
             </a:extLst>
           </a:blip>
@@ -13594,14 +13594,14 @@
           </a:ln>
           <a:extLst>
             <a:ext uri="{909E8E84-426E-40DD-AFC4-6F175D3DCCD1}">
-              <a14:hiddenFill xmlns="" xmlns:a14="http://schemas.microsoft.com/office/drawing/2010/main">
+              <a14:hiddenFill xmlns:a14="http://schemas.microsoft.com/office/drawing/2010/main">
                 <a:solidFill>
                   <a:srgbClr val="FFFFFF"/>
                 </a:solidFill>
               </a14:hiddenFill>
             </a:ext>
             <a:ext uri="{91240B29-F687-4F45-9708-019B960494DF}">
-              <a14:hiddenLine xmlns="" xmlns:a14="http://schemas.microsoft.com/office/drawing/2010/main" w="9525">
+              <a14:hiddenLine xmlns:a14="http://schemas.microsoft.com/office/drawing/2010/main" w="9525">
                 <a:solidFill>
                   <a:srgbClr val="000000"/>
                 </a:solidFill>
@@ -13616,7 +13616,7 @@
     </p:spTree>
     <p:extLst>
       <p:ext uri="{BB962C8B-B14F-4D97-AF65-F5344CB8AC3E}">
-        <p14:creationId xmlns="" xmlns:p14="http://schemas.microsoft.com/office/powerpoint/2010/main" val="1405175072"/>
+        <p14:creationId xmlns:p14="http://schemas.microsoft.com/office/powerpoint/2010/main" val="1405175072"/>
       </p:ext>
     </p:extLst>
   </p:cSld>
@@ -13780,14 +13780,14 @@
           <a:ln/>
           <a:extLst>
             <a:ext uri="{909E8E84-426E-40DD-AFC4-6F175D3DCCD1}">
-              <a14:hiddenFill xmlns="" xmlns:a14="http://schemas.microsoft.com/office/drawing/2010/main">
+              <a14:hiddenFill xmlns:a14="http://schemas.microsoft.com/office/drawing/2010/main">
                 <a:solidFill>
                   <a:srgbClr val="FFFFFF"/>
                 </a:solidFill>
               </a14:hiddenFill>
             </a:ext>
             <a:ext uri="{91240B29-F687-4F45-9708-019B960494DF}">
-              <a14:hiddenLine xmlns="" xmlns:a14="http://schemas.microsoft.com/office/drawing/2010/main" w="9525">
+              <a14:hiddenLine xmlns:a14="http://schemas.microsoft.com/office/drawing/2010/main" w="9525">
                 <a:solidFill>
                   <a:srgbClr val="000000"/>
                 </a:solidFill>
@@ -13948,7 +13948,7 @@
     </p:spTree>
     <p:extLst>
       <p:ext uri="{BB962C8B-B14F-4D97-AF65-F5344CB8AC3E}">
-        <p14:creationId xmlns="" xmlns:p14="http://schemas.microsoft.com/office/powerpoint/2010/main" val="2487310243"/>
+        <p14:creationId xmlns:p14="http://schemas.microsoft.com/office/powerpoint/2010/main" val="2487310243"/>
       </p:ext>
     </p:extLst>
   </p:cSld>
@@ -14167,14 +14167,14 @@
           <a:ln/>
           <a:extLst>
             <a:ext uri="{909E8E84-426E-40DD-AFC4-6F175D3DCCD1}">
-              <a14:hiddenFill xmlns="" xmlns:a14="http://schemas.microsoft.com/office/drawing/2010/main">
+              <a14:hiddenFill xmlns:a14="http://schemas.microsoft.com/office/drawing/2010/main">
                 <a:solidFill>
                   <a:srgbClr val="FFFFFF"/>
                 </a:solidFill>
               </a14:hiddenFill>
             </a:ext>
             <a:ext uri="{91240B29-F687-4F45-9708-019B960494DF}">
-              <a14:hiddenLine xmlns="" xmlns:a14="http://schemas.microsoft.com/office/drawing/2010/main" w="9525">
+              <a14:hiddenLine xmlns:a14="http://schemas.microsoft.com/office/drawing/2010/main" w="9525">
                 <a:solidFill>
                   <a:srgbClr val="000000"/>
                 </a:solidFill>
@@ -14335,7 +14335,7 @@
     </p:spTree>
     <p:extLst>
       <p:ext uri="{BB962C8B-B14F-4D97-AF65-F5344CB8AC3E}">
-        <p14:creationId xmlns="" xmlns:p14="http://schemas.microsoft.com/office/powerpoint/2010/main" val="3724671227"/>
+        <p14:creationId xmlns:p14="http://schemas.microsoft.com/office/powerpoint/2010/main" val="3724671227"/>
       </p:ext>
     </p:extLst>
   </p:cSld>
@@ -14512,14 +14512,14 @@
           <a:ln/>
           <a:extLst>
             <a:ext uri="{909E8E84-426E-40DD-AFC4-6F175D3DCCD1}">
-              <a14:hiddenFill xmlns="" xmlns:a14="http://schemas.microsoft.com/office/drawing/2010/main">
+              <a14:hiddenFill xmlns:a14="http://schemas.microsoft.com/office/drawing/2010/main">
                 <a:solidFill>
                   <a:srgbClr val="FFFFFF"/>
                 </a:solidFill>
               </a14:hiddenFill>
             </a:ext>
             <a:ext uri="{91240B29-F687-4F45-9708-019B960494DF}">
-              <a14:hiddenLine xmlns="" xmlns:a14="http://schemas.microsoft.com/office/drawing/2010/main" w="9525">
+              <a14:hiddenLine xmlns:a14="http://schemas.microsoft.com/office/drawing/2010/main" w="9525">
                 <a:solidFill>
                   <a:srgbClr val="000000"/>
                 </a:solidFill>
@@ -14680,7 +14680,7 @@
     </p:spTree>
     <p:extLst>
       <p:ext uri="{BB962C8B-B14F-4D97-AF65-F5344CB8AC3E}">
-        <p14:creationId xmlns="" xmlns:p14="http://schemas.microsoft.com/office/powerpoint/2010/main" val="2101265716"/>
+        <p14:creationId xmlns:p14="http://schemas.microsoft.com/office/powerpoint/2010/main" val="2101265716"/>
       </p:ext>
     </p:extLst>
   </p:cSld>
@@ -14875,14 +14875,14 @@
           <a:ln/>
           <a:extLst>
             <a:ext uri="{909E8E84-426E-40DD-AFC4-6F175D3DCCD1}">
-              <a14:hiddenFill xmlns="" xmlns:a14="http://schemas.microsoft.com/office/drawing/2010/main">
+              <a14:hiddenFill xmlns:a14="http://schemas.microsoft.com/office/drawing/2010/main">
                 <a:solidFill>
                   <a:srgbClr val="FFFFFF"/>
                 </a:solidFill>
               </a14:hiddenFill>
             </a:ext>
             <a:ext uri="{91240B29-F687-4F45-9708-019B960494DF}">
-              <a14:hiddenLine xmlns="" xmlns:a14="http://schemas.microsoft.com/office/drawing/2010/main" w="9525">
+              <a14:hiddenLine xmlns:a14="http://schemas.microsoft.com/office/drawing/2010/main" w="9525">
                 <a:solidFill>
                   <a:srgbClr val="000000"/>
                 </a:solidFill>
@@ -15043,7 +15043,7 @@
     </p:spTree>
     <p:extLst>
       <p:ext uri="{BB962C8B-B14F-4D97-AF65-F5344CB8AC3E}">
-        <p14:creationId xmlns="" xmlns:p14="http://schemas.microsoft.com/office/powerpoint/2010/main" val="2467770816"/>
+        <p14:creationId xmlns:p14="http://schemas.microsoft.com/office/powerpoint/2010/main" val="2467770816"/>
       </p:ext>
     </p:extLst>
   </p:cSld>
@@ -15253,14 +15253,14 @@
           <a:ln/>
           <a:extLst>
             <a:ext uri="{909E8E84-426E-40DD-AFC4-6F175D3DCCD1}">
-              <a14:hiddenFill xmlns="" xmlns:a14="http://schemas.microsoft.com/office/drawing/2010/main">
+              <a14:hiddenFill xmlns:a14="http://schemas.microsoft.com/office/drawing/2010/main">
                 <a:solidFill>
                   <a:srgbClr val="FFFFFF"/>
                 </a:solidFill>
               </a14:hiddenFill>
             </a:ext>
             <a:ext uri="{91240B29-F687-4F45-9708-019B960494DF}">
-              <a14:hiddenLine xmlns="" xmlns:a14="http://schemas.microsoft.com/office/drawing/2010/main" w="9525">
+              <a14:hiddenLine xmlns:a14="http://schemas.microsoft.com/office/drawing/2010/main" w="9525">
                 <a:solidFill>
                   <a:srgbClr val="000000"/>
                 </a:solidFill>
@@ -15421,7 +15421,7 @@
     </p:spTree>
     <p:extLst>
       <p:ext uri="{BB962C8B-B14F-4D97-AF65-F5344CB8AC3E}">
-        <p14:creationId xmlns="" xmlns:p14="http://schemas.microsoft.com/office/powerpoint/2010/main" val="1873756766"/>
+        <p14:creationId xmlns:p14="http://schemas.microsoft.com/office/powerpoint/2010/main" val="1873756766"/>
       </p:ext>
     </p:extLst>
   </p:cSld>
@@ -15533,14 +15533,14 @@
           <a:ln/>
           <a:extLst>
             <a:ext uri="{909E8E84-426E-40DD-AFC4-6F175D3DCCD1}">
-              <a14:hiddenFill xmlns="" xmlns:a14="http://schemas.microsoft.com/office/drawing/2010/main">
+              <a14:hiddenFill xmlns:a14="http://schemas.microsoft.com/office/drawing/2010/main">
                 <a:solidFill>
                   <a:srgbClr val="FFFFFF"/>
                 </a:solidFill>
               </a14:hiddenFill>
             </a:ext>
             <a:ext uri="{91240B29-F687-4F45-9708-019B960494DF}">
-              <a14:hiddenLine xmlns="" xmlns:a14="http://schemas.microsoft.com/office/drawing/2010/main" w="9525">
+              <a14:hiddenLine xmlns:a14="http://schemas.microsoft.com/office/drawing/2010/main" w="9525">
                 <a:solidFill>
                   <a:srgbClr val="000000"/>
                 </a:solidFill>
@@ -15701,7 +15701,7 @@
     </p:spTree>
     <p:extLst>
       <p:ext uri="{BB962C8B-B14F-4D97-AF65-F5344CB8AC3E}">
-        <p14:creationId xmlns="" xmlns:p14="http://schemas.microsoft.com/office/powerpoint/2010/main" val="3353330283"/>
+        <p14:creationId xmlns:p14="http://schemas.microsoft.com/office/powerpoint/2010/main" val="3353330283"/>
       </p:ext>
     </p:extLst>
   </p:cSld>
@@ -15784,14 +15784,14 @@
           <a:ln/>
           <a:extLst>
             <a:ext uri="{909E8E84-426E-40DD-AFC4-6F175D3DCCD1}">
-              <a14:hiddenFill xmlns="" xmlns:a14="http://schemas.microsoft.com/office/drawing/2010/main">
+              <a14:hiddenFill xmlns:a14="http://schemas.microsoft.com/office/drawing/2010/main">
                 <a:solidFill>
                   <a:srgbClr val="FFFFFF"/>
                 </a:solidFill>
               </a14:hiddenFill>
             </a:ext>
             <a:ext uri="{91240B29-F687-4F45-9708-019B960494DF}">
-              <a14:hiddenLine xmlns="" xmlns:a14="http://schemas.microsoft.com/office/drawing/2010/main" w="9525">
+              <a14:hiddenLine xmlns:a14="http://schemas.microsoft.com/office/drawing/2010/main" w="9525">
                 <a:solidFill>
                   <a:srgbClr val="000000"/>
                 </a:solidFill>
@@ -15971,14 +15971,14 @@
           </a:ln>
           <a:extLst>
             <a:ext uri="{909E8E84-426E-40DD-AFC4-6F175D3DCCD1}">
-              <a14:hiddenFill xmlns="" xmlns:a14="http://schemas.microsoft.com/office/drawing/2010/main">
+              <a14:hiddenFill xmlns:a14="http://schemas.microsoft.com/office/drawing/2010/main">
                 <a:solidFill>
                   <a:srgbClr val="FFFFFF"/>
                 </a:solidFill>
               </a14:hiddenFill>
             </a:ext>
             <a:ext uri="{91240B29-F687-4F45-9708-019B960494DF}">
-              <a14:hiddenLine xmlns="" xmlns:a14="http://schemas.microsoft.com/office/drawing/2010/main" w="9525">
+              <a14:hiddenLine xmlns:a14="http://schemas.microsoft.com/office/drawing/2010/main" w="9525">
                 <a:solidFill>
                   <a:srgbClr val="000000"/>
                 </a:solidFill>
@@ -16149,7 +16149,7 @@
           <a:blip r:embed="rId3" cstate="print">
             <a:extLst>
               <a:ext uri="{28A0092B-C50C-407E-A947-70E740481C1C}">
-                <a14:useLocalDpi xmlns="" xmlns:a14="http://schemas.microsoft.com/office/drawing/2010/main" val="0"/>
+                <a14:useLocalDpi xmlns:a14="http://schemas.microsoft.com/office/drawing/2010/main" val="0"/>
               </a:ext>
             </a:extLst>
           </a:blip>
@@ -16172,14 +16172,14 @@
           </a:ln>
           <a:extLst>
             <a:ext uri="{909E8E84-426E-40DD-AFC4-6F175D3DCCD1}">
-              <a14:hiddenFill xmlns="" xmlns:a14="http://schemas.microsoft.com/office/drawing/2010/main">
+              <a14:hiddenFill xmlns:a14="http://schemas.microsoft.com/office/drawing/2010/main">
                 <a:solidFill>
                   <a:srgbClr val="FFFFFF"/>
                 </a:solidFill>
               </a14:hiddenFill>
             </a:ext>
             <a:ext uri="{91240B29-F687-4F45-9708-019B960494DF}">
-              <a14:hiddenLine xmlns="" xmlns:a14="http://schemas.microsoft.com/office/drawing/2010/main" w="9525">
+              <a14:hiddenLine xmlns:a14="http://schemas.microsoft.com/office/drawing/2010/main" w="9525">
                 <a:solidFill>
                   <a:srgbClr val="000000"/>
                 </a:solidFill>
@@ -16194,7 +16194,7 @@
     </p:spTree>
     <p:extLst>
       <p:ext uri="{BB962C8B-B14F-4D97-AF65-F5344CB8AC3E}">
-        <p14:creationId xmlns="" xmlns:p14="http://schemas.microsoft.com/office/powerpoint/2010/main" val="3223174756"/>
+        <p14:creationId xmlns:p14="http://schemas.microsoft.com/office/powerpoint/2010/main" val="3223174756"/>
       </p:ext>
     </p:extLst>
   </p:cSld>
@@ -16341,14 +16341,14 @@
           <a:ln/>
           <a:extLst>
             <a:ext uri="{909E8E84-426E-40DD-AFC4-6F175D3DCCD1}">
-              <a14:hiddenFill xmlns="" xmlns:a14="http://schemas.microsoft.com/office/drawing/2010/main">
+              <a14:hiddenFill xmlns:a14="http://schemas.microsoft.com/office/drawing/2010/main">
                 <a:solidFill>
                   <a:srgbClr val="FFFFFF"/>
                 </a:solidFill>
               </a14:hiddenFill>
             </a:ext>
             <a:ext uri="{91240B29-F687-4F45-9708-019B960494DF}">
-              <a14:hiddenLine xmlns="" xmlns:a14="http://schemas.microsoft.com/office/drawing/2010/main" w="9525">
+              <a14:hiddenLine xmlns:a14="http://schemas.microsoft.com/office/drawing/2010/main" w="9525">
                 <a:solidFill>
                   <a:srgbClr val="000000"/>
                 </a:solidFill>
@@ -16531,14 +16531,14 @@
           <a:ln/>
           <a:extLst>
             <a:ext uri="{909E8E84-426E-40DD-AFC4-6F175D3DCCD1}">
-              <a14:hiddenFill xmlns="" xmlns:a14="http://schemas.microsoft.com/office/drawing/2010/main">
+              <a14:hiddenFill xmlns:a14="http://schemas.microsoft.com/office/drawing/2010/main">
                 <a:solidFill>
                   <a:srgbClr val="FFFFFF"/>
                 </a:solidFill>
               </a14:hiddenFill>
             </a:ext>
             <a:ext uri="{91240B29-F687-4F45-9708-019B960494DF}">
-              <a14:hiddenLine xmlns="" xmlns:a14="http://schemas.microsoft.com/office/drawing/2010/main" w="9525">
+              <a14:hiddenLine xmlns:a14="http://schemas.microsoft.com/office/drawing/2010/main" w="9525">
                 <a:solidFill>
                   <a:srgbClr val="000000"/>
                 </a:solidFill>
@@ -16708,7 +16708,7 @@
           <a:blip r:embed="rId3" cstate="print">
             <a:extLst>
               <a:ext uri="{28A0092B-C50C-407E-A947-70E740481C1C}">
-                <a14:useLocalDpi xmlns="" xmlns:a14="http://schemas.microsoft.com/office/drawing/2010/main" val="0"/>
+                <a14:useLocalDpi xmlns:a14="http://schemas.microsoft.com/office/drawing/2010/main" val="0"/>
               </a:ext>
             </a:extLst>
           </a:blip>
@@ -16731,14 +16731,14 @@
           </a:ln>
           <a:extLst>
             <a:ext uri="{909E8E84-426E-40DD-AFC4-6F175D3DCCD1}">
-              <a14:hiddenFill xmlns="" xmlns:a14="http://schemas.microsoft.com/office/drawing/2010/main">
+              <a14:hiddenFill xmlns:a14="http://schemas.microsoft.com/office/drawing/2010/main">
                 <a:solidFill>
                   <a:srgbClr val="FFFFFF"/>
                 </a:solidFill>
               </a14:hiddenFill>
             </a:ext>
             <a:ext uri="{91240B29-F687-4F45-9708-019B960494DF}">
-              <a14:hiddenLine xmlns="" xmlns:a14="http://schemas.microsoft.com/office/drawing/2010/main" w="9525">
+              <a14:hiddenLine xmlns:a14="http://schemas.microsoft.com/office/drawing/2010/main" w="9525">
                 <a:solidFill>
                   <a:srgbClr val="000000"/>
                 </a:solidFill>
@@ -16753,7 +16753,7 @@
     </p:spTree>
     <p:extLst>
       <p:ext uri="{BB962C8B-B14F-4D97-AF65-F5344CB8AC3E}">
-        <p14:creationId xmlns="" xmlns:p14="http://schemas.microsoft.com/office/powerpoint/2010/main" val="1035894140"/>
+        <p14:creationId xmlns:p14="http://schemas.microsoft.com/office/powerpoint/2010/main" val="1035894140"/>
       </p:ext>
     </p:extLst>
   </p:cSld>
@@ -16836,14 +16836,14 @@
           <a:ln/>
           <a:extLst>
             <a:ext uri="{909E8E84-426E-40DD-AFC4-6F175D3DCCD1}">
-              <a14:hiddenFill xmlns="" xmlns:a14="http://schemas.microsoft.com/office/drawing/2010/main">
+              <a14:hiddenFill xmlns:a14="http://schemas.microsoft.com/office/drawing/2010/main">
                 <a:solidFill>
                   <a:srgbClr val="FFFFFF"/>
                 </a:solidFill>
               </a14:hiddenFill>
             </a:ext>
             <a:ext uri="{91240B29-F687-4F45-9708-019B960494DF}">
-              <a14:hiddenLine xmlns="" xmlns:a14="http://schemas.microsoft.com/office/drawing/2010/main" w="9525">
+              <a14:hiddenLine xmlns:a14="http://schemas.microsoft.com/office/drawing/2010/main" w="9525">
                 <a:solidFill>
                   <a:srgbClr val="000000"/>
                 </a:solidFill>
@@ -17013,7 +17013,7 @@
           <a:blip r:embed="rId3" cstate="print">
             <a:extLst>
               <a:ext uri="{28A0092B-C50C-407E-A947-70E740481C1C}">
-                <a14:useLocalDpi xmlns="" xmlns:a14="http://schemas.microsoft.com/office/drawing/2010/main" val="0"/>
+                <a14:useLocalDpi xmlns:a14="http://schemas.microsoft.com/office/drawing/2010/main" val="0"/>
               </a:ext>
             </a:extLst>
           </a:blip>
@@ -17036,14 +17036,14 @@
           </a:ln>
           <a:extLst>
             <a:ext uri="{909E8E84-426E-40DD-AFC4-6F175D3DCCD1}">
-              <a14:hiddenFill xmlns="" xmlns:a14="http://schemas.microsoft.com/office/drawing/2010/main">
+              <a14:hiddenFill xmlns:a14="http://schemas.microsoft.com/office/drawing/2010/main">
                 <a:solidFill>
                   <a:srgbClr val="FFFFFF"/>
                 </a:solidFill>
               </a14:hiddenFill>
             </a:ext>
             <a:ext uri="{91240B29-F687-4F45-9708-019B960494DF}">
-              <a14:hiddenLine xmlns="" xmlns:a14="http://schemas.microsoft.com/office/drawing/2010/main" w="9525">
+              <a14:hiddenLine xmlns:a14="http://schemas.microsoft.com/office/drawing/2010/main" w="9525">
                 <a:solidFill>
                   <a:srgbClr val="000000"/>
                 </a:solidFill>
@@ -17228,7 +17228,7 @@
     </p:spTree>
     <p:extLst>
       <p:ext uri="{BB962C8B-B14F-4D97-AF65-F5344CB8AC3E}">
-        <p14:creationId xmlns="" xmlns:p14="http://schemas.microsoft.com/office/powerpoint/2010/main" val="2944318785"/>
+        <p14:creationId xmlns:p14="http://schemas.microsoft.com/office/powerpoint/2010/main" val="2944318785"/>
       </p:ext>
     </p:extLst>
   </p:cSld>
@@ -17280,14 +17280,14 @@
           <a:ln/>
           <a:extLst>
             <a:ext uri="{909E8E84-426E-40DD-AFC4-6F175D3DCCD1}">
-              <a14:hiddenFill xmlns="" xmlns:a14="http://schemas.microsoft.com/office/drawing/2010/main">
+              <a14:hiddenFill xmlns:a14="http://schemas.microsoft.com/office/drawing/2010/main">
                 <a:solidFill>
                   <a:srgbClr val="FFFFFF"/>
                 </a:solidFill>
               </a14:hiddenFill>
             </a:ext>
             <a:ext uri="{91240B29-F687-4F45-9708-019B960494DF}">
-              <a14:hiddenLine xmlns="" xmlns:a14="http://schemas.microsoft.com/office/drawing/2010/main" w="9525">
+              <a14:hiddenLine xmlns:a14="http://schemas.microsoft.com/office/drawing/2010/main" w="9525">
                 <a:solidFill>
                   <a:srgbClr val="000000"/>
                 </a:solidFill>
@@ -17457,7 +17457,7 @@
           <a:blip r:embed="rId3" cstate="print">
             <a:extLst>
               <a:ext uri="{28A0092B-C50C-407E-A947-70E740481C1C}">
-                <a14:useLocalDpi xmlns="" xmlns:a14="http://schemas.microsoft.com/office/drawing/2010/main" val="0"/>
+                <a14:useLocalDpi xmlns:a14="http://schemas.microsoft.com/office/drawing/2010/main" val="0"/>
               </a:ext>
             </a:extLst>
           </a:blip>
@@ -17480,14 +17480,14 @@
           </a:ln>
           <a:extLst>
             <a:ext uri="{909E8E84-426E-40DD-AFC4-6F175D3DCCD1}">
-              <a14:hiddenFill xmlns="" xmlns:a14="http://schemas.microsoft.com/office/drawing/2010/main">
+              <a14:hiddenFill xmlns:a14="http://schemas.microsoft.com/office/drawing/2010/main">
                 <a:solidFill>
                   <a:srgbClr val="FFFFFF"/>
                 </a:solidFill>
               </a14:hiddenFill>
             </a:ext>
             <a:ext uri="{91240B29-F687-4F45-9708-019B960494DF}">
-              <a14:hiddenLine xmlns="" xmlns:a14="http://schemas.microsoft.com/office/drawing/2010/main" w="9525">
+              <a14:hiddenLine xmlns:a14="http://schemas.microsoft.com/office/drawing/2010/main" w="9525">
                 <a:solidFill>
                   <a:srgbClr val="000000"/>
                 </a:solidFill>
@@ -17521,14 +17521,14 @@
           </a:ln>
           <a:extLst>
             <a:ext uri="{909E8E84-426E-40DD-AFC4-6F175D3DCCD1}">
-              <a14:hiddenFill xmlns="" xmlns:a14="http://schemas.microsoft.com/office/drawing/2010/main">
+              <a14:hiddenFill xmlns:a14="http://schemas.microsoft.com/office/drawing/2010/main">
                 <a:solidFill>
                   <a:srgbClr val="FFFFFF"/>
                 </a:solidFill>
               </a14:hiddenFill>
             </a:ext>
             <a:ext uri="{91240B29-F687-4F45-9708-019B960494DF}">
-              <a14:hiddenLine xmlns="" xmlns:a14="http://schemas.microsoft.com/office/drawing/2010/main" w="9525">
+              <a14:hiddenLine xmlns:a14="http://schemas.microsoft.com/office/drawing/2010/main" w="9525">
                 <a:solidFill>
                   <a:srgbClr val="000000"/>
                 </a:solidFill>
@@ -17687,7 +17687,7 @@
     </p:spTree>
     <p:extLst>
       <p:ext uri="{BB962C8B-B14F-4D97-AF65-F5344CB8AC3E}">
-        <p14:creationId xmlns="" xmlns:p14="http://schemas.microsoft.com/office/powerpoint/2010/main" val="1441854317"/>
+        <p14:creationId xmlns:p14="http://schemas.microsoft.com/office/powerpoint/2010/main" val="1441854317"/>
       </p:ext>
     </p:extLst>
   </p:cSld>
@@ -17855,14 +17855,14 @@
           <a:ln/>
           <a:extLst>
             <a:ext uri="{909E8E84-426E-40DD-AFC4-6F175D3DCCD1}">
-              <a14:hiddenFill xmlns="" xmlns:a14="http://schemas.microsoft.com/office/drawing/2010/main">
+              <a14:hiddenFill xmlns:a14="http://schemas.microsoft.com/office/drawing/2010/main">
                 <a:solidFill>
                   <a:srgbClr val="FFFFFF"/>
                 </a:solidFill>
               </a14:hiddenFill>
             </a:ext>
             <a:ext uri="{91240B29-F687-4F45-9708-019B960494DF}">
-              <a14:hiddenLine xmlns="" xmlns:a14="http://schemas.microsoft.com/office/drawing/2010/main" w="9525">
+              <a14:hiddenLine xmlns:a14="http://schemas.microsoft.com/office/drawing/2010/main" w="9525">
                 <a:solidFill>
                   <a:srgbClr val="000000"/>
                 </a:solidFill>
@@ -18023,7 +18023,7 @@
     </p:spTree>
     <p:extLst>
       <p:ext uri="{BB962C8B-B14F-4D97-AF65-F5344CB8AC3E}">
-        <p14:creationId xmlns="" xmlns:p14="http://schemas.microsoft.com/office/powerpoint/2010/main" val="1746500529"/>
+        <p14:creationId xmlns:p14="http://schemas.microsoft.com/office/powerpoint/2010/main" val="1746500529"/>
       </p:ext>
     </p:extLst>
   </p:cSld>
@@ -18098,14 +18098,14 @@
           <a:ln/>
           <a:extLst>
             <a:ext uri="{909E8E84-426E-40DD-AFC4-6F175D3DCCD1}">
-              <a14:hiddenFill xmlns="" xmlns:a14="http://schemas.microsoft.com/office/drawing/2010/main">
+              <a14:hiddenFill xmlns:a14="http://schemas.microsoft.com/office/drawing/2010/main">
                 <a:solidFill>
                   <a:srgbClr val="FFFFFF"/>
                 </a:solidFill>
               </a14:hiddenFill>
             </a:ext>
             <a:ext uri="{91240B29-F687-4F45-9708-019B960494DF}">
-              <a14:hiddenLine xmlns="" xmlns:a14="http://schemas.microsoft.com/office/drawing/2010/main" w="9525">
+              <a14:hiddenLine xmlns:a14="http://schemas.microsoft.com/office/drawing/2010/main" w="9525">
                 <a:solidFill>
                   <a:srgbClr val="000000"/>
                 </a:solidFill>
@@ -18275,7 +18275,7 @@
           <a:blip r:embed="rId3" cstate="print">
             <a:extLst>
               <a:ext uri="{28A0092B-C50C-407E-A947-70E740481C1C}">
-                <a14:useLocalDpi xmlns="" xmlns:a14="http://schemas.microsoft.com/office/drawing/2010/main" val="0"/>
+                <a14:useLocalDpi xmlns:a14="http://schemas.microsoft.com/office/drawing/2010/main" val="0"/>
               </a:ext>
             </a:extLst>
           </a:blip>
@@ -18298,14 +18298,14 @@
           </a:ln>
           <a:extLst>
             <a:ext uri="{909E8E84-426E-40DD-AFC4-6F175D3DCCD1}">
-              <a14:hiddenFill xmlns="" xmlns:a14="http://schemas.microsoft.com/office/drawing/2010/main">
+              <a14:hiddenFill xmlns:a14="http://schemas.microsoft.com/office/drawing/2010/main">
                 <a:solidFill>
                   <a:srgbClr val="FFFFFF"/>
                 </a:solidFill>
               </a14:hiddenFill>
             </a:ext>
             <a:ext uri="{91240B29-F687-4F45-9708-019B960494DF}">
-              <a14:hiddenLine xmlns="" xmlns:a14="http://schemas.microsoft.com/office/drawing/2010/main" w="9525">
+              <a14:hiddenLine xmlns:a14="http://schemas.microsoft.com/office/drawing/2010/main" w="9525">
                 <a:solidFill>
                   <a:srgbClr val="000000"/>
                 </a:solidFill>
@@ -18320,7 +18320,7 @@
     </p:spTree>
     <p:extLst>
       <p:ext uri="{BB962C8B-B14F-4D97-AF65-F5344CB8AC3E}">
-        <p14:creationId xmlns="" xmlns:p14="http://schemas.microsoft.com/office/powerpoint/2010/main" val="3363400938"/>
+        <p14:creationId xmlns:p14="http://schemas.microsoft.com/office/powerpoint/2010/main" val="3363400938"/>
       </p:ext>
     </p:extLst>
   </p:cSld>
@@ -18695,14 +18695,14 @@
           <a:ln/>
           <a:extLst>
             <a:ext uri="{909E8E84-426E-40DD-AFC4-6F175D3DCCD1}">
-              <a14:hiddenFill xmlns="" xmlns:a14="http://schemas.microsoft.com/office/drawing/2010/main">
+              <a14:hiddenFill xmlns:a14="http://schemas.microsoft.com/office/drawing/2010/main">
                 <a:solidFill>
                   <a:srgbClr val="FFFFFF"/>
                 </a:solidFill>
               </a14:hiddenFill>
             </a:ext>
             <a:ext uri="{91240B29-F687-4F45-9708-019B960494DF}">
-              <a14:hiddenLine xmlns="" xmlns:a14="http://schemas.microsoft.com/office/drawing/2010/main" w="9525">
+              <a14:hiddenLine xmlns:a14="http://schemas.microsoft.com/office/drawing/2010/main" w="9525">
                 <a:solidFill>
                   <a:srgbClr val="000000"/>
                 </a:solidFill>
@@ -18863,7 +18863,7 @@
     </p:spTree>
     <p:extLst>
       <p:ext uri="{BB962C8B-B14F-4D97-AF65-F5344CB8AC3E}">
-        <p14:creationId xmlns="" xmlns:p14="http://schemas.microsoft.com/office/powerpoint/2010/main" val="2980294128"/>
+        <p14:creationId xmlns:p14="http://schemas.microsoft.com/office/powerpoint/2010/main" val="2980294128"/>
       </p:ext>
     </p:extLst>
   </p:cSld>
@@ -18983,14 +18983,14 @@
           <a:ln/>
           <a:extLst>
             <a:ext uri="{909E8E84-426E-40DD-AFC4-6F175D3DCCD1}">
-              <a14:hiddenFill xmlns="" xmlns:a14="http://schemas.microsoft.com/office/drawing/2010/main">
+              <a14:hiddenFill xmlns:a14="http://schemas.microsoft.com/office/drawing/2010/main">
                 <a:solidFill>
                   <a:srgbClr val="FFFFFF"/>
                 </a:solidFill>
               </a14:hiddenFill>
             </a:ext>
             <a:ext uri="{91240B29-F687-4F45-9708-019B960494DF}">
-              <a14:hiddenLine xmlns="" xmlns:a14="http://schemas.microsoft.com/office/drawing/2010/main" w="9525">
+              <a14:hiddenLine xmlns:a14="http://schemas.microsoft.com/office/drawing/2010/main" w="9525">
                 <a:solidFill>
                   <a:srgbClr val="000000"/>
                 </a:solidFill>
@@ -19151,7 +19151,7 @@
     </p:spTree>
     <p:extLst>
       <p:ext uri="{BB962C8B-B14F-4D97-AF65-F5344CB8AC3E}">
-        <p14:creationId xmlns="" xmlns:p14="http://schemas.microsoft.com/office/powerpoint/2010/main" val="3490960129"/>
+        <p14:creationId xmlns:p14="http://schemas.microsoft.com/office/powerpoint/2010/main" val="3490960129"/>
       </p:ext>
     </p:extLst>
   </p:cSld>
@@ -19421,7 +19421,7 @@
   <a:extraClrSchemeLst/>
   <a:extLst>
     <a:ext uri="{05A4C25C-085E-4340-85A3-A5531E510DB2}">
-      <thm15:themeFamily xmlns="" xmlns:thm15="http://schemas.microsoft.com/office/thememl/2012/main" name="Parallax" id="{3388167B-A2EB-4685-9635-1831D9AEF8C4}" vid="{4F7A876A-7598-49CA-AFC8-8EDA2551E4A7}"/>
+      <thm15:themeFamily xmlns:thm15="http://schemas.microsoft.com/office/thememl/2012/main" xmlns="" name="Parallax" id="{3388167B-A2EB-4685-9635-1831D9AEF8C4}" vid="{4F7A876A-7598-49CA-AFC8-8EDA2551E4A7}"/>
     </a:ext>
   </a:extLst>
 </a:theme>
@@ -19682,7 +19682,7 @@
   <a:extraClrSchemeLst/>
   <a:extLst>
     <a:ext uri="{05A4C25C-085E-4340-85A3-A5531E510DB2}">
-      <thm15:themeFamily xmlns="" xmlns:thm15="http://schemas.microsoft.com/office/thememl/2012/main" name="Office Theme" id="{62F939B6-93AF-4DB8-9C6B-D6C7DFDC589F}" vid="{4A3C46E8-61CC-4603-A589-7422A47A8E4A}"/>
+      <thm15:themeFamily xmlns:thm15="http://schemas.microsoft.com/office/thememl/2012/main" xmlns="" name="Office Theme" id="{62F939B6-93AF-4DB8-9C6B-D6C7DFDC589F}" vid="{4A3C46E8-61CC-4603-A589-7422A47A8E4A}"/>
     </a:ext>
   </a:extLst>
 </a:theme>
